--- a/spring16/slidesS16/6042S16welcome.pptx
+++ b/spring16/slidesS16/6042S16welcome.pptx
@@ -5,37 +5,38 @@
     <p:sldMasterId id="2147483650" r:id="rId1"/>
   </p:sldMasterIdLst>
   <p:notesMasterIdLst>
-    <p:notesMasterId r:id="rId22"/>
+    <p:notesMasterId r:id="rId23"/>
   </p:notesMasterIdLst>
   <p:handoutMasterIdLst>
-    <p:handoutMasterId r:id="rId23"/>
+    <p:handoutMasterId r:id="rId24"/>
   </p:handoutMasterIdLst>
   <p:sldIdLst>
     <p:sldId id="306" r:id="rId2"/>
     <p:sldId id="356" r:id="rId3"/>
     <p:sldId id="258" r:id="rId4"/>
     <p:sldId id="358" r:id="rId5"/>
-    <p:sldId id="359" r:id="rId6"/>
-    <p:sldId id="360" r:id="rId7"/>
-    <p:sldId id="317" r:id="rId8"/>
-    <p:sldId id="341" r:id="rId9"/>
-    <p:sldId id="355" r:id="rId10"/>
-    <p:sldId id="315" r:id="rId11"/>
-    <p:sldId id="343" r:id="rId12"/>
-    <p:sldId id="316" r:id="rId13"/>
-    <p:sldId id="312" r:id="rId14"/>
-    <p:sldId id="348" r:id="rId15"/>
-    <p:sldId id="349" r:id="rId16"/>
-    <p:sldId id="350" r:id="rId17"/>
-    <p:sldId id="351" r:id="rId18"/>
-    <p:sldId id="362" r:id="rId19"/>
-    <p:sldId id="363" r:id="rId20"/>
-    <p:sldId id="357" r:id="rId21"/>
+    <p:sldId id="364" r:id="rId6"/>
+    <p:sldId id="359" r:id="rId7"/>
+    <p:sldId id="360" r:id="rId8"/>
+    <p:sldId id="317" r:id="rId9"/>
+    <p:sldId id="341" r:id="rId10"/>
+    <p:sldId id="355" r:id="rId11"/>
+    <p:sldId id="315" r:id="rId12"/>
+    <p:sldId id="343" r:id="rId13"/>
+    <p:sldId id="316" r:id="rId14"/>
+    <p:sldId id="312" r:id="rId15"/>
+    <p:sldId id="348" r:id="rId16"/>
+    <p:sldId id="349" r:id="rId17"/>
+    <p:sldId id="350" r:id="rId18"/>
+    <p:sldId id="351" r:id="rId19"/>
+    <p:sldId id="362" r:id="rId20"/>
+    <p:sldId id="363" r:id="rId21"/>
+    <p:sldId id="357" r:id="rId22"/>
   </p:sldIdLst>
   <p:sldSz cx="9144000" cy="6858000" type="screen4x3"/>
   <p:notesSz cx="9601200" cy="7315200"/>
   <p:custDataLst>
-    <p:tags r:id="rId25"/>
+    <p:tags r:id="rId26"/>
   </p:custDataLst>
   <p:defaultTextStyle>
     <a:defPPr>
@@ -1000,7 +1001,7 @@
               <a:pPr>
                 <a:defRPr/>
               </a:pPr>
-              <a:t>14</a:t>
+              <a:t>15</a:t>
             </a:fld>
             <a:endParaRPr lang="en-US"/>
           </a:p>
@@ -1090,7 +1091,7 @@
               <a:pPr>
                 <a:defRPr/>
               </a:pPr>
-              <a:t>15</a:t>
+              <a:t>16</a:t>
             </a:fld>
             <a:endParaRPr lang="en-US"/>
           </a:p>
@@ -1180,7 +1181,7 @@
               <a:pPr>
                 <a:defRPr/>
               </a:pPr>
-              <a:t>16</a:t>
+              <a:t>17</a:t>
             </a:fld>
             <a:endParaRPr lang="en-US"/>
           </a:p>
@@ -1270,7 +1271,7 @@
               <a:pPr>
                 <a:defRPr/>
               </a:pPr>
-              <a:t>17</a:t>
+              <a:t>18</a:t>
             </a:fld>
             <a:endParaRPr lang="en-US"/>
           </a:p>
@@ -1360,7 +1361,7 @@
               <a:pPr>
                 <a:defRPr/>
               </a:pPr>
-              <a:t>18</a:t>
+              <a:t>19</a:t>
             </a:fld>
             <a:endParaRPr lang="en-US"/>
           </a:p>
@@ -1450,7 +1451,7 @@
               <a:pPr>
                 <a:defRPr/>
               </a:pPr>
-              <a:t>19</a:t>
+              <a:t>20</a:t>
             </a:fld>
             <a:endParaRPr lang="en-US"/>
           </a:p>
@@ -1506,7 +1507,7 @@
             <a:fld id="{220A3D5C-B518-42C7-9197-3F2DF3C7EA01}" type="slidenum">
               <a:rPr lang="en-US" smtClean="0"/>
               <a:pPr/>
-              <a:t>20</a:t>
+              <a:t>21</a:t>
             </a:fld>
             <a:endParaRPr lang="en-US" smtClean="0"/>
           </a:p>
@@ -1770,7 +1771,7 @@
             <a:fld id="{2781550E-419E-49DD-AD89-5558CCF6CB3E}" type="slidenum">
               <a:rPr lang="en-US" smtClean="0"/>
               <a:pPr/>
-              <a:t>7</a:t>
+              <a:t>8</a:t>
             </a:fld>
             <a:endParaRPr lang="en-US" smtClean="0"/>
           </a:p>
@@ -1858,7 +1859,7 @@
             <a:fld id="{D55B577E-1C62-498E-97BE-A2DDA81F0065}" type="slidenum">
               <a:rPr lang="en-US" smtClean="0"/>
               <a:pPr/>
-              <a:t>8</a:t>
+              <a:t>9</a:t>
             </a:fld>
             <a:endParaRPr lang="en-US" smtClean="0"/>
           </a:p>
@@ -1946,7 +1947,7 @@
             <a:fld id="{0D7320DE-676A-47D1-8D8A-51937269739F}" type="slidenum">
               <a:rPr lang="en-US" smtClean="0"/>
               <a:pPr/>
-              <a:t>9</a:t>
+              <a:t>10</a:t>
             </a:fld>
             <a:endParaRPr lang="en-US" smtClean="0"/>
           </a:p>
@@ -2034,7 +2035,7 @@
             <a:fld id="{220A3D5C-B518-42C7-9197-3F2DF3C7EA01}" type="slidenum">
               <a:rPr lang="en-US" smtClean="0"/>
               <a:pPr/>
-              <a:t>10</a:t>
+              <a:t>11</a:t>
             </a:fld>
             <a:endParaRPr lang="en-US" smtClean="0"/>
           </a:p>
@@ -2122,7 +2123,7 @@
             <a:fld id="{0D7320DE-676A-47D1-8D8A-51937269739F}" type="slidenum">
               <a:rPr lang="en-US" smtClean="0"/>
               <a:pPr/>
-              <a:t>12</a:t>
+              <a:t>13</a:t>
             </a:fld>
             <a:endParaRPr lang="en-US" smtClean="0"/>
           </a:p>
@@ -2210,7 +2211,7 @@
             <a:fld id="{41B5C949-E4B4-4314-97A6-4DF96038B0AB}" type="slidenum">
               <a:rPr lang="en-US" smtClean="0"/>
               <a:pPr/>
-              <a:t>13</a:t>
+              <a:t>14</a:t>
             </a:fld>
             <a:endParaRPr lang="en-US" smtClean="0"/>
           </a:p>
@@ -4423,7 +4424,7 @@
           <p:cNvPicPr>
             <a:picLocks noChangeAspect="1" noChangeArrowheads="1"/>
           </p:cNvPicPr>
-          <p:nvPr userDrawn="1"/>
+          <p:nvPr/>
         </p:nvPicPr>
         <p:blipFill>
           <a:blip r:embed="rId12" cstate="print"/>
@@ -4455,7 +4456,7 @@
           <p:cNvSpPr>
             <a:spLocks noChangeArrowheads="1"/>
           </p:cNvSpPr>
-          <p:nvPr userDrawn="1"/>
+          <p:nvPr/>
         </p:nvSpPr>
         <p:spPr bwMode="auto">
           <a:xfrm>
@@ -4507,7 +4508,7 @@
           <p:cNvSpPr txBox="1">
             <a:spLocks noChangeArrowheads="1"/>
           </p:cNvSpPr>
-          <p:nvPr userDrawn="1"/>
+          <p:nvPr/>
         </p:nvSpPr>
         <p:spPr bwMode="auto">
           <a:xfrm>
@@ -4565,7 +4566,7 @@
           <p:cNvPicPr>
             <a:picLocks noChangeAspect="1"/>
           </p:cNvPicPr>
-          <p:nvPr userDrawn="1"/>
+          <p:nvPr/>
         </p:nvPicPr>
         <p:blipFill>
           <a:blip r:embed="rId13"/>
@@ -5155,7 +5156,7 @@
           <a:graphicData uri="http://schemas.openxmlformats.org/presentationml/2006/ole">
             <mc:AlternateContent xmlns:mc="http://schemas.openxmlformats.org/markup-compatibility/2006">
               <mc:Choice xmlns:v="urn:schemas-microsoft-com:vml" Requires="v">
-                <p:oleObj spid="_x0000_s1257" name="Equation" r:id="rId4" imgW="914400" imgH="215640" progId="Equation.3">
+                <p:oleObj spid="_x0000_s1270" name="Equation" r:id="rId4" imgW="914400" imgH="215640" progId="Equation.3">
                   <p:embed/>
                 </p:oleObj>
               </mc:Choice>
@@ -5225,7 +5226,7 @@
           <a:graphicData uri="http://schemas.openxmlformats.org/presentationml/2006/ole">
             <mc:AlternateContent xmlns:mc="http://schemas.openxmlformats.org/markup-compatibility/2006">
               <mc:Choice xmlns:v="urn:schemas-microsoft-com:vml" Requires="v">
-                <p:oleObj spid="_x0000_s1258" name="Equation" r:id="rId6" imgW="914400" imgH="215640" progId="Equation.3">
+                <p:oleObj spid="_x0000_s1271" name="Equation" r:id="rId6" imgW="914400" imgH="215640" progId="Equation.3">
                   <p:embed/>
                 </p:oleObj>
               </mc:Choice>
@@ -5462,7 +5463,7 @@
                                     </p:set>
                                     <p:animEffect transition="in" filter="fade">
                                       <p:cBhvr>
-                                        <p:cTn id="13" dur="2000"/>
+                                        <p:cTn id="13" dur="1000"/>
                                         <p:tgtEl>
                                           <p:spTgt spid="13">
                                             <p:txEl>
@@ -5475,24 +5476,15 @@
                                   </p:childTnLst>
                                 </p:cTn>
                               </p:par>
-                            </p:childTnLst>
-                          </p:cTn>
-                        </p:par>
-                        <p:par>
-                          <p:cTn id="14" fill="hold">
-                            <p:stCondLst>
-                              <p:cond delay="3000"/>
-                            </p:stCondLst>
-                            <p:childTnLst>
                               <p:par>
-                                <p:cTn id="15" presetID="10" presetClass="entr" presetSubtype="0" fill="hold" nodeType="afterEffect">
+                                <p:cTn id="14" presetID="10" presetClass="entr" presetSubtype="0" fill="hold" nodeType="withEffect">
                                   <p:stCondLst>
                                     <p:cond delay="0"/>
                                   </p:stCondLst>
                                   <p:childTnLst>
                                     <p:set>
                                       <p:cBhvr>
-                                        <p:cTn id="16" dur="1" fill="hold">
+                                        <p:cTn id="15" dur="1" fill="hold">
                                           <p:stCondLst>
                                             <p:cond delay="0"/>
                                           </p:stCondLst>
@@ -5510,7 +5502,7 @@
                                     </p:set>
                                     <p:animEffect transition="in" filter="fade">
                                       <p:cBhvr>
-                                        <p:cTn id="17" dur="500"/>
+                                        <p:cTn id="16" dur="2000"/>
                                         <p:tgtEl>
                                           <p:spTgt spid="7"/>
                                         </p:tgtEl>
@@ -5569,6 +5561,230 @@
       </p:grpSpPr>
       <p:sp>
         <p:nvSpPr>
+          <p:cNvPr id="3080" name="Text Box 7"/>
+          <p:cNvSpPr txBox="1">
+            <a:spLocks noChangeArrowheads="1"/>
+          </p:cNvSpPr>
+          <p:nvPr/>
+        </p:nvSpPr>
+        <p:spPr bwMode="auto">
+          <a:xfrm>
+            <a:off x="139172" y="2128828"/>
+            <a:ext cx="8868832" cy="2585323"/>
+          </a:xfrm>
+          <a:prstGeom prst="rect">
+            <a:avLst/>
+          </a:prstGeom>
+          <a:noFill/>
+          <a:ln w="9525">
+            <a:noFill/>
+            <a:miter lim="800000"/>
+            <a:headEnd/>
+            <a:tailEnd type="none" w="lg" len="lg"/>
+          </a:ln>
+        </p:spPr>
+        <p:txBody>
+          <a:bodyPr wrap="square">
+            <a:spAutoFit/>
+          </a:bodyPr>
+          <a:lstStyle/>
+          <a:p>
+            <a:pPr algn="l">
+              <a:defRPr/>
+            </a:pPr>
+            <a:r>
+              <a:rPr lang="en-US" sz="5400" dirty="0" smtClean="0">
+                <a:latin typeface="Comic Sans MS" pitchFamily="66" charset="0"/>
+              </a:rPr>
+              <a:t>Readings &amp; online problems </a:t>
+            </a:r>
+          </a:p>
+          <a:p>
+            <a:pPr algn="l">
+              <a:defRPr/>
+            </a:pPr>
+            <a:r>
+              <a:rPr lang="en-US" sz="5400" dirty="0" smtClean="0">
+                <a:latin typeface="Comic Sans MS" pitchFamily="66" charset="0"/>
+              </a:rPr>
+              <a:t>in class </a:t>
+            </a:r>
+            <a:r>
+              <a:rPr lang="en-US" sz="5400" dirty="0" smtClean="0">
+                <a:solidFill>
+                  <a:srgbClr val="0000FF"/>
+                </a:solidFill>
+                <a:latin typeface="Comic Sans MS" pitchFamily="66" charset="0"/>
+              </a:rPr>
+              <a:t>calendar on</a:t>
+            </a:r>
+            <a:r>
+              <a:rPr lang="en-US" sz="5400" dirty="0" smtClean="0">
+                <a:latin typeface="Comic Sans MS" pitchFamily="66" charset="0"/>
+              </a:rPr>
+              <a:t> </a:t>
+            </a:r>
+            <a:r>
+              <a:rPr lang="en-US" sz="5400" dirty="0" smtClean="0">
+                <a:solidFill>
+                  <a:srgbClr val="0000FF"/>
+                </a:solidFill>
+                <a:latin typeface="Comic Sans MS" pitchFamily="66" charset="0"/>
+              </a:rPr>
+              <a:t>Stellar</a:t>
+            </a:r>
+          </a:p>
+          <a:p>
+            <a:pPr>
+              <a:defRPr/>
+            </a:pPr>
+            <a:r>
+              <a:rPr lang="en-US" sz="5400" dirty="0">
+                <a:latin typeface="Comic Sans MS" pitchFamily="66" charset="0"/>
+              </a:rPr>
+              <a:t>due </a:t>
+            </a:r>
+            <a:r>
+              <a:rPr lang="en-US" sz="5400" dirty="0">
+                <a:solidFill>
+                  <a:srgbClr val="077F15"/>
+                </a:solidFill>
+                <a:latin typeface="Comic Sans MS" pitchFamily="66" charset="0"/>
+              </a:rPr>
+              <a:t>starting </a:t>
+            </a:r>
+            <a:r>
+              <a:rPr lang="en-US" sz="5400" dirty="0" smtClean="0">
+                <a:solidFill>
+                  <a:srgbClr val="077F15"/>
+                </a:solidFill>
+                <a:latin typeface="Comic Sans MS" pitchFamily="66" charset="0"/>
+              </a:rPr>
+              <a:t>Friday</a:t>
+            </a:r>
+            <a:endParaRPr lang="en-US" sz="5400" dirty="0">
+              <a:solidFill>
+                <a:srgbClr val="0000FF"/>
+              </a:solidFill>
+              <a:latin typeface="Comic Sans MS" pitchFamily="66" charset="0"/>
+            </a:endParaRPr>
+          </a:p>
+        </p:txBody>
+      </p:sp>
+      <p:sp>
+        <p:nvSpPr>
+          <p:cNvPr id="3077" name="Slide Number Placeholder 3"/>
+          <p:cNvSpPr>
+            <a:spLocks noGrp="1"/>
+          </p:cNvSpPr>
+          <p:nvPr>
+            <p:ph type="sldNum" sz="quarter" idx="10"/>
+          </p:nvPr>
+        </p:nvSpPr>
+        <p:spPr>
+          <a:xfrm>
+            <a:off x="7909619" y="6553200"/>
+            <a:ext cx="1234382" cy="307777"/>
+          </a:xfrm>
+          <a:noFill/>
+        </p:spPr>
+        <p:txBody>
+          <a:bodyPr/>
+          <a:lstStyle/>
+          <a:p>
+            <a:r>
+              <a:rPr lang="en-US" dirty="0" smtClean="0"/>
+              <a:t>      </a:t>
+            </a:r>
+            <a:r>
+              <a:rPr lang="en-US" sz="1200" dirty="0" smtClean="0"/>
+              <a:t>welcome.</a:t>
+            </a:r>
+            <a:fld id="{4D204BE9-2F10-477E-9517-5A472BD6B7C3}" type="slidenum">
+              <a:rPr lang="en-US" sz="1200" smtClean="0"/>
+              <a:pPr/>
+              <a:t>10</a:t>
+            </a:fld>
+            <a:endParaRPr lang="en-US" sz="1200" dirty="0" smtClean="0"/>
+          </a:p>
+        </p:txBody>
+      </p:sp>
+      <p:sp>
+        <p:nvSpPr>
+          <p:cNvPr id="3078" name="Rectangle 2"/>
+          <p:cNvSpPr>
+            <a:spLocks noGrp="1" noChangeArrowheads="1"/>
+          </p:cNvSpPr>
+          <p:nvPr>
+            <p:ph type="ctrTitle"/>
+          </p:nvPr>
+        </p:nvSpPr>
+        <p:spPr>
+          <a:xfrm>
+            <a:off x="1516063" y="319088"/>
+            <a:ext cx="6484937" cy="1123950"/>
+          </a:xfrm>
+        </p:spPr>
+        <p:txBody>
+          <a:bodyPr/>
+          <a:lstStyle/>
+          <a:p>
+            <a:pPr algn="ctr" eaLnBrk="1" hangingPunct="1">
+              <a:defRPr/>
+            </a:pPr>
+            <a:r>
+              <a:rPr lang="en-US" dirty="0" smtClean="0">
+                <a:solidFill>
+                  <a:schemeClr val="tx1"/>
+                </a:solidFill>
+              </a:rPr>
+              <a:t>Reading Assignment</a:t>
+            </a:r>
+          </a:p>
+        </p:txBody>
+      </p:sp>
+    </p:spTree>
+    <p:extLst>
+      <p:ext uri="{BB962C8B-B14F-4D97-AF65-F5344CB8AC3E}">
+        <p14:creationId xmlns:p14="http://schemas.microsoft.com/office/powerpoint/2010/main" val="277740754"/>
+      </p:ext>
+    </p:extLst>
+  </p:cSld>
+  <p:clrMapOvr>
+    <a:masterClrMapping/>
+  </p:clrMapOvr>
+  <p:transition xmlns:p14="http://schemas.microsoft.com/office/powerpoint/2010/main" spd="slow" advClick="0">
+    <p:fade/>
+  </p:transition>
+  <p:timing>
+    <p:tnLst>
+      <p:par>
+        <p:cTn xmlns:p14="http://schemas.microsoft.com/office/powerpoint/2010/main" id="1" dur="indefinite" restart="never" nodeType="tmRoot"/>
+      </p:par>
+    </p:tnLst>
+  </p:timing>
+</p:sld>
+</file>
+
+<file path=ppt/slides/slide11.xml><?xml version="1.0" encoding="utf-8"?>
+<p:sld xmlns:a="http://schemas.openxmlformats.org/drawingml/2006/main" xmlns:r="http://schemas.openxmlformats.org/officeDocument/2006/relationships" xmlns:p="http://schemas.openxmlformats.org/presentationml/2006/main">
+  <p:cSld>
+    <p:spTree>
+      <p:nvGrpSpPr>
+        <p:cNvPr id="1" name=""/>
+        <p:cNvGrpSpPr/>
+        <p:nvPr/>
+      </p:nvGrpSpPr>
+      <p:grpSpPr>
+        <a:xfrm>
+          <a:off x="0" y="0"/>
+          <a:ext cx="0" cy="0"/>
+          <a:chOff x="0" y="0"/>
+          <a:chExt cx="0" cy="0"/>
+        </a:xfrm>
+      </p:grpSpPr>
+      <p:sp>
+        <p:nvSpPr>
           <p:cNvPr id="2053" name="Slide Number Placeholder 3"/>
           <p:cNvSpPr>
             <a:spLocks noGrp="1"/>
@@ -5599,7 +5815,7 @@
             <a:fld id="{453FE1C2-9E91-4C24-BD74-47BCF0F2913B}" type="slidenum">
               <a:rPr lang="en-US" sz="1200" smtClean="0"/>
               <a:pPr/>
-              <a:t>10</a:t>
+              <a:t>11</a:t>
             </a:fld>
             <a:endParaRPr lang="en-US" sz="1200" dirty="0" smtClean="0"/>
           </a:p>
@@ -5663,7 +5879,7 @@
           <a:graphicData uri="http://schemas.openxmlformats.org/presentationml/2006/ole">
             <mc:AlternateContent xmlns:mc="http://schemas.openxmlformats.org/markup-compatibility/2006">
               <mc:Choice xmlns:v="urn:schemas-microsoft-com:vml" Requires="v">
-                <p:oleObj spid="_x0000_s2299" name="Equation" r:id="rId4" imgW="914400" imgH="215640" progId="Equation.3">
+                <p:oleObj spid="_x0000_s2312" name="Equation" r:id="rId4" imgW="914400" imgH="215640" progId="Equation.3">
                   <p:embed/>
                 </p:oleObj>
               </mc:Choice>
@@ -5733,7 +5949,7 @@
           <a:graphicData uri="http://schemas.openxmlformats.org/presentationml/2006/ole">
             <mc:AlternateContent xmlns:mc="http://schemas.openxmlformats.org/markup-compatibility/2006">
               <mc:Choice xmlns:v="urn:schemas-microsoft-com:vml" Requires="v">
-                <p:oleObj spid="_x0000_s2300" name="Equation" r:id="rId6" imgW="914400" imgH="215640" progId="Equation.3">
+                <p:oleObj spid="_x0000_s2313" name="Equation" r:id="rId6" imgW="914400" imgH="215640" progId="Equation.3">
                   <p:embed/>
                 </p:oleObj>
               </mc:Choice>
@@ -6326,7 +6542,7 @@
 </p:sld>
 </file>
 
-<file path=ppt/slides/slide11.xml><?xml version="1.0" encoding="utf-8"?>
+<file path=ppt/slides/slide12.xml><?xml version="1.0" encoding="utf-8"?>
 <p:sld xmlns:a="http://schemas.openxmlformats.org/drawingml/2006/main" xmlns:r="http://schemas.openxmlformats.org/officeDocument/2006/relationships" xmlns:p="http://schemas.openxmlformats.org/presentationml/2006/main" show="0">
   <p:cSld>
     <p:spTree>
@@ -6470,7 +6686,7 @@
               <a:pPr>
                 <a:defRPr/>
               </a:pPr>
-              <a:t>11</a:t>
+              <a:t>12</a:t>
             </a:fld>
             <a:endParaRPr lang="en-US" sz="1200" dirty="0"/>
           </a:p>
@@ -6499,7 +6715,7 @@
 </p:sld>
 </file>
 
-<file path=ppt/slides/slide12.xml><?xml version="1.0" encoding="utf-8"?>
+<file path=ppt/slides/slide13.xml><?xml version="1.0" encoding="utf-8"?>
 <p:sld xmlns:a="http://schemas.openxmlformats.org/drawingml/2006/main" xmlns:r="http://schemas.openxmlformats.org/officeDocument/2006/relationships" xmlns:p="http://schemas.openxmlformats.org/presentationml/2006/main" show="0">
   <p:cSld>
     <p:spTree>
@@ -6782,7 +6998,7 @@
             <a:fld id="{4D204BE9-2F10-477E-9517-5A472BD6B7C3}" type="slidenum">
               <a:rPr lang="en-US" sz="1200" smtClean="0"/>
               <a:pPr/>
-              <a:t>12</a:t>
+              <a:t>13</a:t>
             </a:fld>
             <a:endParaRPr lang="en-US" sz="1200" dirty="0" smtClean="0"/>
           </a:p>
@@ -6838,7 +7054,7 @@
           <a:graphicData uri="http://schemas.openxmlformats.org/presentationml/2006/ole">
             <mc:AlternateContent xmlns:mc="http://schemas.openxmlformats.org/markup-compatibility/2006">
               <mc:Choice xmlns:v="urn:schemas-microsoft-com:vml" Requires="v">
-                <p:oleObj spid="_x0000_s3262" name="Equation" r:id="rId4" imgW="914400" imgH="215640" progId="Equation.3">
+                <p:oleObj spid="_x0000_s3270" name="Equation" r:id="rId4" imgW="914400" imgH="215640" progId="Equation.3">
                   <p:embed/>
                 </p:oleObj>
               </mc:Choice>
@@ -6949,7 +7165,7 @@
 </p:sld>
 </file>
 
-<file path=ppt/slides/slide13.xml><?xml version="1.0" encoding="utf-8"?>
+<file path=ppt/slides/slide14.xml><?xml version="1.0" encoding="utf-8"?>
 <p:sld xmlns:a="http://schemas.openxmlformats.org/drawingml/2006/main" xmlns:r="http://schemas.openxmlformats.org/officeDocument/2006/relationships" xmlns:p="http://schemas.openxmlformats.org/presentationml/2006/main">
   <p:cSld>
     <p:spTree>
@@ -6998,7 +7214,7 @@
             <a:fld id="{3930B7C9-902D-4F92-8BB5-73317A21B3E6}" type="slidenum">
               <a:rPr lang="en-US" sz="1200" smtClean="0"/>
               <a:pPr/>
-              <a:t>13</a:t>
+              <a:t>14</a:t>
             </a:fld>
             <a:endParaRPr lang="en-US" sz="1200" dirty="0" smtClean="0"/>
           </a:p>
@@ -7046,8 +7262,8 @@
         </p:nvSpPr>
         <p:spPr bwMode="auto">
           <a:xfrm>
-            <a:off x="787401" y="1866900"/>
-            <a:ext cx="7658100" cy="3785652"/>
+            <a:off x="228600" y="1866900"/>
+            <a:ext cx="8636000" cy="3785652"/>
           </a:xfrm>
           <a:prstGeom prst="rect">
             <a:avLst/>
@@ -7071,7 +7287,7 @@
               <a:rPr lang="en-US" sz="4800" dirty="0" smtClean="0">
                 <a:latin typeface="Comic Sans MS" pitchFamily="66" charset="0"/>
               </a:rPr>
-              <a:t>MWF </a:t>
+              <a:t>    MWF </a:t>
             </a:r>
             <a:r>
               <a:rPr lang="en-US" sz="4800" dirty="0">
@@ -7090,42 +7306,69 @@
             </a:endParaRPr>
           </a:p>
           <a:p>
-            <a:pPr marL="0" lvl="1" algn="l"/>
+            <a:pPr marL="685800" lvl="1" indent="-685800" algn="l">
+              <a:buFont typeface="Arial"/>
+              <a:buChar char="•"/>
+            </a:pPr>
             <a:r>
               <a:rPr lang="en-US" sz="4800" dirty="0" smtClean="0">
                 <a:latin typeface="Comic Sans MS" pitchFamily="66" charset="0"/>
               </a:rPr>
-              <a:t>team learning through problem</a:t>
+              <a:t>Teams </a:t>
             </a:r>
             <a:r>
               <a:rPr lang="en-US" sz="4800" dirty="0">
                 <a:latin typeface="Comic Sans MS" pitchFamily="66" charset="0"/>
               </a:rPr>
-              <a:t>-</a:t>
+              <a:t>of </a:t>
             </a:r>
             <a:r>
               <a:rPr lang="en-US" sz="4800" dirty="0" smtClean="0">
                 <a:latin typeface="Comic Sans MS" pitchFamily="66" charset="0"/>
               </a:rPr>
-              <a:t>solving.</a:t>
-            </a:r>
-          </a:p>
-          <a:p>
-            <a:pPr marL="0" lvl="1" algn="l"/>
+              <a:t>same 6</a:t>
+            </a:r>
+            <a:r>
+              <a:rPr lang="en-US" sz="4800" dirty="0">
+                <a:latin typeface="Comic Sans MS" pitchFamily="66" charset="0"/>
+              </a:rPr>
+              <a:t>—8 </a:t>
+            </a:r>
             <a:r>
               <a:rPr lang="en-US" sz="4800" dirty="0" smtClean="0">
                 <a:latin typeface="Comic Sans MS" pitchFamily="66" charset="0"/>
               </a:rPr>
-              <a:t>Teams of 6—8 students</a:t>
-            </a:r>
-          </a:p>
-          <a:p>
-            <a:pPr marL="0" lvl="1" algn="l"/>
+              <a:t>students with </a:t>
+            </a:r>
+            <a:r>
+              <a:rPr lang="en-US" sz="4800" dirty="0">
+                <a:latin typeface="Comic Sans MS" pitchFamily="66" charset="0"/>
+              </a:rPr>
+              <a:t>Team Coach.</a:t>
+            </a:r>
+          </a:p>
+          <a:p>
+            <a:pPr marL="685800" lvl="1" indent="-685800" algn="l">
+              <a:buFont typeface="Arial"/>
+              <a:buChar char="•"/>
+            </a:pPr>
             <a:r>
               <a:rPr lang="en-US" sz="4800" dirty="0" smtClean="0">
                 <a:latin typeface="Comic Sans MS" pitchFamily="66" charset="0"/>
               </a:rPr>
-              <a:t>with Team Coach.</a:t>
+              <a:t>Team learning through problem</a:t>
+            </a:r>
+            <a:r>
+              <a:rPr lang="en-US" sz="4800" dirty="0">
+                <a:latin typeface="Comic Sans MS" pitchFamily="66" charset="0"/>
+              </a:rPr>
+              <a:t>s</a:t>
+            </a:r>
+            <a:r>
+              <a:rPr lang="en-US" sz="4800" dirty="0" smtClean="0">
+                <a:latin typeface="Comic Sans MS" pitchFamily="66" charset="0"/>
+              </a:rPr>
+              <a:t> &amp; discussion</a:t>
             </a:r>
           </a:p>
         </p:txBody>
@@ -7554,49 +7797,6 @@
                                   </p:childTnLst>
                                 </p:cTn>
                               </p:par>
-                              <p:par>
-                                <p:cTn id="23" presetID="9" presetClass="entr" presetSubtype="0" fill="hold" nodeType="withEffect">
-                                  <p:stCondLst>
-                                    <p:cond delay="0"/>
-                                  </p:stCondLst>
-                                  <p:childTnLst>
-                                    <p:set>
-                                      <p:cBhvr>
-                                        <p:cTn id="24" dur="1" fill="hold">
-                                          <p:stCondLst>
-                                            <p:cond delay="0"/>
-                                          </p:stCondLst>
-                                        </p:cTn>
-                                        <p:tgtEl>
-                                          <p:spTgt spid="24580">
-                                            <p:txEl>
-                                              <p:pRg st="3" end="3"/>
-                                            </p:txEl>
-                                          </p:spTgt>
-                                        </p:tgtEl>
-                                        <p:attrNameLst>
-                                          <p:attrName>style.visibility</p:attrName>
-                                        </p:attrNameLst>
-                                      </p:cBhvr>
-                                      <p:to>
-                                        <p:strVal val="visible"/>
-                                      </p:to>
-                                    </p:set>
-                                    <p:animEffect transition="in" filter="dissolve">
-                                      <p:cBhvr>
-                                        <p:cTn id="25" dur="500"/>
-                                        <p:tgtEl>
-                                          <p:spTgt spid="24580">
-                                            <p:txEl>
-                                              <p:pRg st="3" end="3"/>
-                                            </p:txEl>
-                                          </p:spTgt>
-                                        </p:tgtEl>
-                                      </p:cBhvr>
-                                    </p:animEffect>
-                                  </p:childTnLst>
-                                </p:cTn>
-                              </p:par>
                             </p:childTnLst>
                           </p:cTn>
                         </p:par>
@@ -7631,7 +7831,7 @@
 </p:sld>
 </file>
 
-<file path=ppt/slides/slide14.xml><?xml version="1.0" encoding="utf-8"?>
+<file path=ppt/slides/slide15.xml><?xml version="1.0" encoding="utf-8"?>
 <p:sld xmlns:a="http://schemas.openxmlformats.org/drawingml/2006/main" xmlns:r="http://schemas.openxmlformats.org/officeDocument/2006/relationships" xmlns:p="http://schemas.openxmlformats.org/presentationml/2006/main">
   <p:cSld>
     <p:spTree>
@@ -7683,8 +7883,8 @@
         </p:nvSpPr>
         <p:spPr>
           <a:xfrm>
-            <a:off x="182037" y="1354665"/>
-            <a:ext cx="8758763" cy="4792136"/>
+            <a:off x="182037" y="1494365"/>
+            <a:ext cx="8771463" cy="3826935"/>
           </a:xfrm>
         </p:spPr>
         <p:txBody>
@@ -7698,36 +7898,6 @@
                 </a:solidFill>
               </a:rPr>
               <a:t>required attendance</a:t>
-            </a:r>
-          </a:p>
-          <a:p>
-            <a:r>
-              <a:rPr lang="en-US" sz="4000" dirty="0" err="1" smtClean="0">
-                <a:solidFill>
-                  <a:srgbClr val="0000FF"/>
-                </a:solidFill>
-              </a:rPr>
-              <a:t>psets</a:t>
-            </a:r>
-            <a:r>
-              <a:rPr lang="en-US" sz="4000" dirty="0" smtClean="0">
-                <a:solidFill>
-                  <a:srgbClr val="5959FF"/>
-                </a:solidFill>
-              </a:rPr>
-              <a:t> </a:t>
-            </a:r>
-            <a:r>
-              <a:rPr lang="en-US" sz="4000" dirty="0" smtClean="0">
-                <a:solidFill>
-                  <a:srgbClr val="CB21DD"/>
-                </a:solidFill>
-              </a:rPr>
-              <a:t>not</a:t>
-            </a:r>
-            <a:r>
-              <a:rPr lang="en-US" sz="4000" dirty="0" smtClean="0"/>
-              <a:t> for credit</a:t>
             </a:r>
           </a:p>
           <a:p>
@@ -7773,54 +7943,92 @@
                   <a:srgbClr val="0000FF"/>
                 </a:solidFill>
               </a:rPr>
-              <a:t> midterms</a:t>
+              <a:t> </a:t>
+            </a:r>
+            <a:r>
+              <a:rPr lang="en-US" sz="4000" dirty="0">
+                <a:solidFill>
+                  <a:schemeClr val="accent1">
+                    <a:lumMod val="50000"/>
+                  </a:schemeClr>
+                </a:solidFill>
+              </a:rPr>
+              <a:t>90 min</a:t>
+            </a:r>
+            <a:r>
+              <a:rPr lang="en-US" sz="4000" dirty="0" smtClean="0">
+                <a:solidFill>
+                  <a:schemeClr val="accent1">
+                    <a:lumMod val="50000"/>
+                  </a:schemeClr>
+                </a:solidFill>
+              </a:rPr>
+              <a:t>. evening</a:t>
             </a:r>
             <a:r>
               <a:rPr lang="en-US" sz="4000" dirty="0" smtClean="0"/>
-              <a:t>:</a:t>
-            </a:r>
-          </a:p>
-          <a:p>
-            <a:pPr marL="0" indent="0">
-              <a:buNone/>
-            </a:pPr>
-            <a:r>
-              <a:rPr lang="en-US" sz="4000" dirty="0" smtClean="0"/>
-              <a:t>      two 60 min., two 90 min.</a:t>
-            </a:r>
-          </a:p>
-          <a:p>
-            <a:r>
-              <a:rPr lang="en-US" sz="4000" dirty="0">
+              <a:t> </a:t>
+            </a:r>
+            <a:r>
+              <a:rPr lang="en-US" sz="4000" dirty="0" smtClean="0">
                 <a:solidFill>
                   <a:srgbClr val="0000FF"/>
                 </a:solidFill>
               </a:rPr>
-              <a:t>comments</a:t>
-            </a:r>
-            <a:r>
-              <a:rPr lang="en-US" sz="4000" dirty="0"/>
-              <a:t> in Piazza </a:t>
-            </a:r>
-            <a:r>
-              <a:rPr lang="en-US" sz="4000" dirty="0" smtClean="0"/>
-              <a:t>(</a:t>
+              <a:t>midterms</a:t>
+            </a:r>
+            <a:endParaRPr lang="en-US" sz="4000" dirty="0"/>
+          </a:p>
+          <a:p>
+            <a:r>
+              <a:rPr lang="en-US" sz="4000" dirty="0" err="1" smtClean="0">
+                <a:solidFill>
+                  <a:srgbClr val="0000E5"/>
+                </a:solidFill>
+              </a:rPr>
+              <a:t>psets</a:t>
+            </a:r>
+            <a:r>
+              <a:rPr lang="en-US" sz="4000" dirty="0">
+                <a:solidFill>
+                  <a:srgbClr val="0000E5"/>
+                </a:solidFill>
+              </a:rPr>
+              <a:t>: weekly </a:t>
             </a:r>
             <a:r>
               <a:rPr lang="en-US" sz="4000" dirty="0" smtClean="0">
                 <a:solidFill>
-                  <a:srgbClr val="077F15"/>
+                  <a:srgbClr val="0000E5"/>
                 </a:solidFill>
               </a:rPr>
-              <a:t>optional</a:t>
-            </a:r>
+              <a:t>(not midterm weeks) </a:t>
+            </a:r>
+            <a:r>
+              <a:rPr lang="en-US" sz="4000" dirty="0" smtClean="0"/>
+              <a:t> </a:t>
+            </a:r>
+          </a:p>
+          <a:p>
             <a:r>
               <a:rPr lang="en-US" sz="4000" dirty="0" smtClean="0">
                 <a:solidFill>
-                  <a:srgbClr val="000000"/>
+                  <a:srgbClr val="0000FF"/>
                 </a:solidFill>
               </a:rPr>
-              <a:t>)</a:t>
+              <a:t>comment</a:t>
+            </a:r>
+            <a:r>
+              <a:rPr lang="en-US" sz="4000" dirty="0" smtClean="0"/>
+              <a:t> </a:t>
+            </a:r>
+            <a:r>
+              <a:rPr lang="en-US" sz="4000" dirty="0"/>
+              <a:t>in </a:t>
+            </a:r>
+            <a:r>
+              <a:rPr lang="en-US" sz="4000" dirty="0" smtClean="0"/>
+              <a:t>Piazza</a:t>
             </a:r>
             <a:endParaRPr lang="en-US" sz="4000" dirty="0">
               <a:solidFill>
@@ -7866,7 +8074,7 @@
               <a:pPr>
                 <a:defRPr/>
               </a:pPr>
-              <a:t>14</a:t>
+              <a:t>15</a:t>
             </a:fld>
             <a:endParaRPr lang="en-US" sz="1200" dirty="0"/>
           </a:p>
@@ -8073,21 +8281,30 @@
                             </p:childTnLst>
                           </p:cTn>
                         </p:par>
+                      </p:childTnLst>
+                    </p:cTn>
+                  </p:par>
+                  <p:par>
+                    <p:cTn id="18" fill="hold">
+                      <p:stCondLst>
+                        <p:cond delay="indefinite"/>
+                      </p:stCondLst>
+                      <p:childTnLst>
                         <p:par>
-                          <p:cTn id="18" fill="hold">
+                          <p:cTn id="19" fill="hold">
                             <p:stCondLst>
-                              <p:cond delay="500"/>
+                              <p:cond delay="0"/>
                             </p:stCondLst>
                             <p:childTnLst>
                               <p:par>
-                                <p:cTn id="19" presetID="10" presetClass="entr" presetSubtype="0" fill="hold" grpId="0" nodeType="afterEffect">
+                                <p:cTn id="20" presetID="10" presetClass="entr" presetSubtype="0" fill="hold" grpId="0" nodeType="clickEffect">
                                   <p:stCondLst>
                                     <p:cond delay="0"/>
                                   </p:stCondLst>
                                   <p:childTnLst>
                                     <p:set>
                                       <p:cBhvr>
-                                        <p:cTn id="20" dur="1" fill="hold">
+                                        <p:cTn id="21" dur="1" fill="hold">
                                           <p:stCondLst>
                                             <p:cond delay="0"/>
                                           </p:stCondLst>
@@ -8109,72 +8326,11 @@
                                     </p:set>
                                     <p:animEffect transition="in" filter="fade">
                                       <p:cBhvr>
-                                        <p:cTn id="21" dur="500"/>
+                                        <p:cTn id="22" dur="500"/>
                                         <p:tgtEl>
                                           <p:spTgt spid="3">
                                             <p:txEl>
                                               <p:pRg st="4" end="4"/>
-                                            </p:txEl>
-                                          </p:spTgt>
-                                        </p:tgtEl>
-                                      </p:cBhvr>
-                                    </p:animEffect>
-                                  </p:childTnLst>
-                                </p:cTn>
-                              </p:par>
-                            </p:childTnLst>
-                          </p:cTn>
-                        </p:par>
-                      </p:childTnLst>
-                    </p:cTn>
-                  </p:par>
-                  <p:par>
-                    <p:cTn id="22" fill="hold">
-                      <p:stCondLst>
-                        <p:cond delay="indefinite"/>
-                      </p:stCondLst>
-                      <p:childTnLst>
-                        <p:par>
-                          <p:cTn id="23" fill="hold">
-                            <p:stCondLst>
-                              <p:cond delay="0"/>
-                            </p:stCondLst>
-                            <p:childTnLst>
-                              <p:par>
-                                <p:cTn id="24" presetID="10" presetClass="entr" presetSubtype="0" fill="hold" grpId="0" nodeType="clickEffect">
-                                  <p:stCondLst>
-                                    <p:cond delay="0"/>
-                                  </p:stCondLst>
-                                  <p:childTnLst>
-                                    <p:set>
-                                      <p:cBhvr>
-                                        <p:cTn id="25" dur="1" fill="hold">
-                                          <p:stCondLst>
-                                            <p:cond delay="0"/>
-                                          </p:stCondLst>
-                                        </p:cTn>
-                                        <p:tgtEl>
-                                          <p:spTgt spid="3">
-                                            <p:txEl>
-                                              <p:pRg st="5" end="5"/>
-                                            </p:txEl>
-                                          </p:spTgt>
-                                        </p:tgtEl>
-                                        <p:attrNameLst>
-                                          <p:attrName>style.visibility</p:attrName>
-                                        </p:attrNameLst>
-                                      </p:cBhvr>
-                                      <p:to>
-                                        <p:strVal val="visible"/>
-                                      </p:to>
-                                    </p:set>
-                                    <p:animEffect transition="in" filter="fade">
-                                      <p:cBhvr>
-                                        <p:cTn id="26" dur="500"/>
-                                        <p:tgtEl>
-                                          <p:spTgt spid="3">
-                                            <p:txEl>
-                                              <p:pRg st="5" end="5"/>
                                             </p:txEl>
                                           </p:spTgt>
                                         </p:tgtEl>
@@ -8217,7 +8373,7 @@
 </p:sld>
 </file>
 
-<file path=ppt/slides/slide15.xml><?xml version="1.0" encoding="utf-8"?>
+<file path=ppt/slides/slide16.xml><?xml version="1.0" encoding="utf-8"?>
 <p:sld xmlns:a="http://schemas.openxmlformats.org/drawingml/2006/main" xmlns:r="http://schemas.openxmlformats.org/officeDocument/2006/relationships" xmlns:p="http://schemas.openxmlformats.org/presentationml/2006/main">
   <p:cSld>
     <p:spTree>
@@ -8266,7 +8422,7 @@
               <a:pPr>
                 <a:defRPr/>
               </a:pPr>
-              <a:t>15</a:t>
+              <a:t>16</a:t>
             </a:fld>
             <a:endParaRPr lang="en-US" sz="1200" dirty="0"/>
           </a:p>
@@ -8853,7 +9009,7 @@
 </p:sld>
 </file>
 
-<file path=ppt/slides/slide16.xml><?xml version="1.0" encoding="utf-8"?>
+<file path=ppt/slides/slide17.xml><?xml version="1.0" encoding="utf-8"?>
 <p:sld xmlns:a="http://schemas.openxmlformats.org/drawingml/2006/main" xmlns:r="http://schemas.openxmlformats.org/officeDocument/2006/relationships" xmlns:p="http://schemas.openxmlformats.org/presentationml/2006/main">
   <p:cSld>
     <p:spTree>
@@ -9086,7 +9242,7 @@
               <a:pPr>
                 <a:defRPr/>
               </a:pPr>
-              <a:t>16</a:t>
+              <a:t>17</a:t>
             </a:fld>
             <a:endParaRPr lang="en-US" sz="1200" dirty="0"/>
           </a:p>
@@ -9537,7 +9693,7 @@
 </p:sld>
 </file>
 
-<file path=ppt/slides/slide17.xml><?xml version="1.0" encoding="utf-8"?>
+<file path=ppt/slides/slide18.xml><?xml version="1.0" encoding="utf-8"?>
 <p:sld xmlns:a="http://schemas.openxmlformats.org/drawingml/2006/main" xmlns:r="http://schemas.openxmlformats.org/officeDocument/2006/relationships" xmlns:p="http://schemas.openxmlformats.org/presentationml/2006/main">
   <p:cSld>
     <p:spTree>
@@ -9663,7 +9819,7 @@
                 </a:solidFill>
                 <a:latin typeface="Comic Sans MS" pitchFamily="66" charset="0"/>
               </a:rPr>
-              <a:t>(TAs &amp; instructors too)</a:t>
+              <a:t> (TAs &amp; instructor too)</a:t>
             </a:r>
           </a:p>
         </p:txBody>
@@ -9700,7 +9856,7 @@
               <a:pPr>
                 <a:defRPr/>
               </a:pPr>
-              <a:t>17</a:t>
+              <a:t>18</a:t>
             </a:fld>
             <a:endParaRPr lang="en-US" sz="1200" dirty="0"/>
           </a:p>
@@ -9813,7 +9969,7 @@
 </p:sld>
 </file>
 
-<file path=ppt/slides/slide18.xml><?xml version="1.0" encoding="utf-8"?>
+<file path=ppt/slides/slide19.xml><?xml version="1.0" encoding="utf-8"?>
 <p:sld xmlns:a="http://schemas.openxmlformats.org/drawingml/2006/main" xmlns:r="http://schemas.openxmlformats.org/officeDocument/2006/relationships" xmlns:p="http://schemas.openxmlformats.org/presentationml/2006/main">
   <p:cSld>
     <p:spTree>
@@ -9903,32 +10059,38 @@
           </a:p>
           <a:p>
             <a:r>
+              <a:rPr lang="en-US" sz="6600" dirty="0" smtClean="0">
+                <a:latin typeface="Comic Sans MS" pitchFamily="66" charset="0"/>
+              </a:rPr>
+              <a:t>¼ love it</a:t>
+            </a:r>
+          </a:p>
+          <a:p>
+            <a:r>
+              <a:rPr lang="en-US" sz="6600" dirty="0">
+                <a:latin typeface="Comic Sans MS" pitchFamily="66" charset="0"/>
+              </a:rPr>
+              <a:t>¼ </a:t>
+            </a:r>
+            <a:r>
+              <a:rPr lang="en-US" sz="6600" dirty="0" smtClean="0">
+                <a:latin typeface="Comic Sans MS" pitchFamily="66" charset="0"/>
+              </a:rPr>
+              <a:t>hate it</a:t>
+            </a:r>
+          </a:p>
+          <a:p>
+            <a:r>
+              <a:rPr lang="en-US" sz="6600" dirty="0" smtClean="0">
+                <a:latin typeface="Comic Sans MS" pitchFamily="66" charset="0"/>
+              </a:rPr>
+              <a:t>½ neutral</a:t>
+            </a:r>
+            <a:r>
               <a:rPr lang="en-US" sz="7200" dirty="0" smtClean="0">
                 <a:latin typeface="Comic Sans MS" pitchFamily="66" charset="0"/>
               </a:rPr>
-              <a:t>¼ love it</a:t>
-            </a:r>
-          </a:p>
-          <a:p>
-            <a:r>
-              <a:rPr lang="en-US" sz="7200" dirty="0">
-                <a:latin typeface="Comic Sans MS" pitchFamily="66" charset="0"/>
-              </a:rPr>
-              <a:t>¼ </a:t>
-            </a:r>
-            <a:r>
-              <a:rPr lang="en-US" sz="7200" dirty="0" smtClean="0">
-                <a:latin typeface="Comic Sans MS" pitchFamily="66" charset="0"/>
-              </a:rPr>
-              <a:t>hate it</a:t>
-            </a:r>
-          </a:p>
-          <a:p>
-            <a:r>
-              <a:rPr lang="en-US" sz="7200" dirty="0" smtClean="0">
-                <a:latin typeface="Comic Sans MS" pitchFamily="66" charset="0"/>
-              </a:rPr>
-              <a:t>½ neutral </a:t>
+              <a:t> </a:t>
             </a:r>
             <a:endParaRPr lang="en-US" sz="7200" dirty="0">
               <a:latin typeface="Comic Sans MS" pitchFamily="66" charset="0"/>
@@ -9974,7 +10136,7 @@
               <a:pPr>
                 <a:defRPr/>
               </a:pPr>
-              <a:t>18</a:t>
+              <a:t>19</a:t>
             </a:fld>
             <a:endParaRPr lang="en-US" sz="1200" dirty="0"/>
           </a:p>
@@ -10209,214 +10371,6 @@
 </p:sld>
 </file>
 
-<file path=ppt/slides/slide19.xml><?xml version="1.0" encoding="utf-8"?>
-<p:sld xmlns:a="http://schemas.openxmlformats.org/drawingml/2006/main" xmlns:r="http://schemas.openxmlformats.org/officeDocument/2006/relationships" xmlns:p="http://schemas.openxmlformats.org/presentationml/2006/main">
-  <p:cSld>
-    <p:spTree>
-      <p:nvGrpSpPr>
-        <p:cNvPr id="1" name=""/>
-        <p:cNvGrpSpPr/>
-        <p:nvPr/>
-      </p:nvGrpSpPr>
-      <p:grpSpPr>
-        <a:xfrm>
-          <a:off x="0" y="0"/>
-          <a:ext cx="0" cy="0"/>
-          <a:chOff x="0" y="0"/>
-          <a:chExt cx="0" cy="0"/>
-        </a:xfrm>
-      </p:grpSpPr>
-      <p:sp>
-        <p:nvSpPr>
-          <p:cNvPr id="4" name="Title 1"/>
-          <p:cNvSpPr>
-            <a:spLocks noGrp="1"/>
-          </p:cNvSpPr>
-          <p:nvPr>
-            <p:ph type="title"/>
-          </p:nvPr>
-        </p:nvSpPr>
-        <p:spPr>
-          <a:xfrm>
-            <a:off x="1447800" y="304798"/>
-            <a:ext cx="5904037" cy="1197154"/>
-          </a:xfrm>
-        </p:spPr>
-        <p:txBody>
-          <a:bodyPr/>
-          <a:lstStyle/>
-          <a:p>
-            <a:pPr algn="ctr"/>
-            <a:r>
-              <a:rPr lang="en-US" sz="4000" dirty="0" smtClean="0"/>
-              <a:t>Teamwork</a:t>
-            </a:r>
-            <a:endParaRPr lang="en-US" sz="4000" dirty="0"/>
-          </a:p>
-        </p:txBody>
-      </p:sp>
-      <p:sp>
-        <p:nvSpPr>
-          <p:cNvPr id="5" name="TextBox 4"/>
-          <p:cNvSpPr txBox="1"/>
-          <p:nvPr/>
-        </p:nvSpPr>
-        <p:spPr>
-          <a:xfrm>
-            <a:off x="190501" y="1333500"/>
-            <a:ext cx="8839200" cy="5447645"/>
-          </a:xfrm>
-          <a:prstGeom prst="rect">
-            <a:avLst/>
-          </a:prstGeom>
-          <a:noFill/>
-        </p:spPr>
-        <p:txBody>
-          <a:bodyPr wrap="square" rtlCol="0">
-            <a:spAutoFit/>
-          </a:bodyPr>
-          <a:lstStyle/>
-          <a:p>
-            <a:pPr algn="l"/>
-            <a:r>
-              <a:rPr lang="en-US" sz="7200" dirty="0" smtClean="0">
-                <a:latin typeface="Comic Sans MS" pitchFamily="66" charset="0"/>
-              </a:rPr>
-              <a:t>Option: In </a:t>
-            </a:r>
-            <a:r>
-              <a:rPr lang="en-US" sz="7200" dirty="0" smtClean="0">
-                <a:solidFill>
-                  <a:srgbClr val="CB21DD"/>
-                </a:solidFill>
-                <a:latin typeface="Comic Sans MS" pitchFamily="66" charset="0"/>
-              </a:rPr>
-              <a:t>F16</a:t>
-            </a:r>
-            <a:r>
-              <a:rPr lang="en-US" sz="7200" dirty="0" smtClean="0">
-                <a:latin typeface="Comic Sans MS" pitchFamily="66" charset="0"/>
-              </a:rPr>
-              <a:t>, 6.042 </a:t>
-            </a:r>
-            <a:r>
-              <a:rPr lang="en-US" sz="7200" dirty="0" smtClean="0">
-                <a:latin typeface="Comic Sans MS" pitchFamily="66" charset="0"/>
-              </a:rPr>
-              <a:t>will be taught </a:t>
-            </a:r>
-            <a:r>
-              <a:rPr lang="en-US" sz="7200" dirty="0" smtClean="0">
-                <a:latin typeface="Comic Sans MS" pitchFamily="66" charset="0"/>
-              </a:rPr>
-              <a:t>in </a:t>
-            </a:r>
-            <a:r>
-              <a:rPr lang="en-US" sz="7200" dirty="0" smtClean="0">
-                <a:latin typeface="Comic Sans MS" pitchFamily="66" charset="0"/>
-              </a:rPr>
-              <a:t>usual </a:t>
-            </a:r>
-            <a:r>
-              <a:rPr lang="en-US" sz="7200" dirty="0" smtClean="0">
-                <a:solidFill>
-                  <a:srgbClr val="0000E5"/>
-                </a:solidFill>
-                <a:latin typeface="Comic Sans MS" pitchFamily="66" charset="0"/>
-              </a:rPr>
-              <a:t>lecture/</a:t>
-            </a:r>
-          </a:p>
-          <a:p>
-            <a:pPr algn="l"/>
-            <a:r>
-              <a:rPr lang="en-US" sz="7200" dirty="0" smtClean="0">
-                <a:solidFill>
-                  <a:srgbClr val="0000E5"/>
-                </a:solidFill>
-                <a:latin typeface="Comic Sans MS" pitchFamily="66" charset="0"/>
-              </a:rPr>
-              <a:t>recitation style</a:t>
-            </a:r>
-            <a:r>
-              <a:rPr lang="en-US" sz="7200" dirty="0" smtClean="0">
-                <a:latin typeface="Comic Sans MS" pitchFamily="66" charset="0"/>
-              </a:rPr>
-              <a:t>. </a:t>
-            </a:r>
-            <a:endParaRPr lang="en-US" sz="7200" dirty="0">
-              <a:latin typeface="Comic Sans MS" pitchFamily="66" charset="0"/>
-            </a:endParaRPr>
-          </a:p>
-          <a:p>
-            <a:pPr algn="l"/>
-            <a:endParaRPr lang="en-US" sz="6000" dirty="0" smtClean="0">
-              <a:latin typeface="Comic Sans MS" pitchFamily="66" charset="0"/>
-            </a:endParaRPr>
-          </a:p>
-        </p:txBody>
-      </p:sp>
-      <p:sp>
-        <p:nvSpPr>
-          <p:cNvPr id="6" name="Slide Number Placeholder 2"/>
-          <p:cNvSpPr>
-            <a:spLocks noGrp="1"/>
-          </p:cNvSpPr>
-          <p:nvPr>
-            <p:ph type="sldNum" sz="quarter" idx="10"/>
-          </p:nvPr>
-        </p:nvSpPr>
-        <p:spPr>
-          <a:xfrm>
-            <a:off x="8162242" y="6578600"/>
-            <a:ext cx="981759" cy="276999"/>
-          </a:xfrm>
-        </p:spPr>
-        <p:txBody>
-          <a:bodyPr/>
-          <a:lstStyle/>
-          <a:p>
-            <a:pPr>
-              <a:defRPr/>
-            </a:pPr>
-            <a:r>
-              <a:rPr lang="en-US" sz="1200" dirty="0" smtClean="0"/>
-              <a:t>welcome.</a:t>
-            </a:r>
-            <a:fld id="{DB6F0ED6-FEF5-4C9C-B1CC-29B47EC66FAA}" type="slidenum">
-              <a:rPr lang="en-US" sz="1200" smtClean="0"/>
-              <a:pPr>
-                <a:defRPr/>
-              </a:pPr>
-              <a:t>19</a:t>
-            </a:fld>
-            <a:endParaRPr lang="en-US" sz="1200" dirty="0"/>
-          </a:p>
-        </p:txBody>
-      </p:sp>
-    </p:spTree>
-    <p:extLst>
-      <p:ext uri="{BB962C8B-B14F-4D97-AF65-F5344CB8AC3E}">
-        <p14:creationId xmlns:p14="http://schemas.microsoft.com/office/powerpoint/2010/main" val="1251845048"/>
-      </p:ext>
-    </p:extLst>
-  </p:cSld>
-  <p:clrMapOvr>
-    <a:masterClrMapping/>
-  </p:clrMapOvr>
-  <p:transition xmlns:p14="http://schemas.microsoft.com/office/powerpoint/2010/main" spd="slow" advClick="0">
-    <p:fade/>
-  </p:transition>
-  <p:timing>
-    <p:tnLst>
-      <p:par>
-        <p:cTn xmlns:p14="http://schemas.microsoft.com/office/powerpoint/2010/main" id="1" dur="indefinite" restart="never" nodeType="tmRoot"/>
-      </p:par>
-    </p:tnLst>
-  </p:timing>
-</p:sld>
-</file>
-
 <file path=ppt/slides/slide2.xml><?xml version="1.0" encoding="utf-8"?>
 <p:sld xmlns:a="http://schemas.openxmlformats.org/drawingml/2006/main" xmlns:r="http://schemas.openxmlformats.org/officeDocument/2006/relationships" xmlns:p="http://schemas.openxmlformats.org/presentationml/2006/main" show="0">
   <p:cSld>
@@ -10589,7 +10543,7 @@
           <a:graphicData uri="http://schemas.openxmlformats.org/presentationml/2006/ole">
             <mc:AlternateContent xmlns:mc="http://schemas.openxmlformats.org/markup-compatibility/2006">
               <mc:Choice xmlns:v="urn:schemas-microsoft-com:vml" Requires="v">
-                <p:oleObj spid="_x0000_s218188" name="Equation" r:id="rId4" imgW="914400" imgH="215640" progId="Equation.3">
+                <p:oleObj spid="_x0000_s218201" name="Equation" r:id="rId4" imgW="914400" imgH="215640" progId="Equation.3">
                   <p:embed/>
                 </p:oleObj>
               </mc:Choice>
@@ -10659,7 +10613,7 @@
           <a:graphicData uri="http://schemas.openxmlformats.org/presentationml/2006/ole">
             <mc:AlternateContent xmlns:mc="http://schemas.openxmlformats.org/markup-compatibility/2006">
               <mc:Choice xmlns:v="urn:schemas-microsoft-com:vml" Requires="v">
-                <p:oleObj spid="_x0000_s218189" name="Equation" r:id="rId6" imgW="914400" imgH="215640" progId="Equation.3">
+                <p:oleObj spid="_x0000_s218202" name="Equation" r:id="rId6" imgW="914400" imgH="215640" progId="Equation.3">
                   <p:embed/>
                 </p:oleObj>
               </mc:Choice>
@@ -10916,6 +10870,208 @@
       </p:grpSpPr>
       <p:sp>
         <p:nvSpPr>
+          <p:cNvPr id="4" name="Title 1"/>
+          <p:cNvSpPr>
+            <a:spLocks noGrp="1"/>
+          </p:cNvSpPr>
+          <p:nvPr>
+            <p:ph type="title"/>
+          </p:nvPr>
+        </p:nvSpPr>
+        <p:spPr>
+          <a:xfrm>
+            <a:off x="1447800" y="304798"/>
+            <a:ext cx="5904037" cy="1197154"/>
+          </a:xfrm>
+        </p:spPr>
+        <p:txBody>
+          <a:bodyPr/>
+          <a:lstStyle/>
+          <a:p>
+            <a:pPr algn="ctr"/>
+            <a:r>
+              <a:rPr lang="en-US" sz="4000" dirty="0" smtClean="0"/>
+              <a:t>Teamwork</a:t>
+            </a:r>
+            <a:endParaRPr lang="en-US" sz="4000" dirty="0"/>
+          </a:p>
+        </p:txBody>
+      </p:sp>
+      <p:sp>
+        <p:nvSpPr>
+          <p:cNvPr id="5" name="TextBox 4"/>
+          <p:cNvSpPr txBox="1"/>
+          <p:nvPr/>
+        </p:nvSpPr>
+        <p:spPr>
+          <a:xfrm>
+            <a:off x="545745" y="1282700"/>
+            <a:ext cx="8055685" cy="5447645"/>
+          </a:xfrm>
+          <a:prstGeom prst="rect">
+            <a:avLst/>
+          </a:prstGeom>
+          <a:noFill/>
+        </p:spPr>
+        <p:txBody>
+          <a:bodyPr wrap="square" rtlCol="0">
+            <a:spAutoFit/>
+          </a:bodyPr>
+          <a:lstStyle/>
+          <a:p>
+            <a:pPr algn="l"/>
+            <a:r>
+              <a:rPr lang="en-US" sz="7200" dirty="0" smtClean="0">
+                <a:latin typeface="Comic Sans MS" pitchFamily="66" charset="0"/>
+              </a:rPr>
+              <a:t>In </a:t>
+            </a:r>
+            <a:r>
+              <a:rPr lang="en-US" sz="7200" dirty="0" smtClean="0">
+                <a:solidFill>
+                  <a:srgbClr val="0000E5"/>
+                </a:solidFill>
+                <a:latin typeface="Comic Sans MS" pitchFamily="66" charset="0"/>
+              </a:rPr>
+              <a:t>F16</a:t>
+            </a:r>
+            <a:r>
+              <a:rPr lang="en-US" sz="7200" dirty="0" smtClean="0">
+                <a:latin typeface="Comic Sans MS" pitchFamily="66" charset="0"/>
+              </a:rPr>
+              <a:t>, 6.042 will</a:t>
+            </a:r>
+          </a:p>
+          <a:p>
+            <a:pPr algn="l"/>
+            <a:r>
+              <a:rPr lang="en-US" sz="7200" dirty="0" smtClean="0">
+                <a:latin typeface="Comic Sans MS" pitchFamily="66" charset="0"/>
+              </a:rPr>
+              <a:t>be taught in usual</a:t>
+            </a:r>
+          </a:p>
+          <a:p>
+            <a:pPr algn="l"/>
+            <a:r>
+              <a:rPr lang="en-US" sz="7200" dirty="0" smtClean="0">
+                <a:solidFill>
+                  <a:srgbClr val="0000E5"/>
+                </a:solidFill>
+                <a:latin typeface="Comic Sans MS" pitchFamily="66" charset="0"/>
+              </a:rPr>
+              <a:t>lecture/recitation</a:t>
+            </a:r>
+          </a:p>
+          <a:p>
+            <a:pPr algn="l"/>
+            <a:r>
+              <a:rPr lang="en-US" sz="7200" dirty="0" smtClean="0">
+                <a:solidFill>
+                  <a:srgbClr val="0000E5"/>
+                </a:solidFill>
+                <a:latin typeface="Comic Sans MS" pitchFamily="66" charset="0"/>
+              </a:rPr>
+              <a:t>style</a:t>
+            </a:r>
+            <a:r>
+              <a:rPr lang="en-US" sz="7200" dirty="0" smtClean="0">
+                <a:latin typeface="Comic Sans MS" pitchFamily="66" charset="0"/>
+              </a:rPr>
+              <a:t>. </a:t>
+            </a:r>
+            <a:endParaRPr lang="en-US" sz="7200" dirty="0">
+              <a:latin typeface="Comic Sans MS" pitchFamily="66" charset="0"/>
+            </a:endParaRPr>
+          </a:p>
+          <a:p>
+            <a:pPr algn="l"/>
+            <a:endParaRPr lang="en-US" sz="6000" dirty="0" smtClean="0">
+              <a:latin typeface="Comic Sans MS" pitchFamily="66" charset="0"/>
+            </a:endParaRPr>
+          </a:p>
+        </p:txBody>
+      </p:sp>
+      <p:sp>
+        <p:nvSpPr>
+          <p:cNvPr id="6" name="Slide Number Placeholder 2"/>
+          <p:cNvSpPr>
+            <a:spLocks noGrp="1"/>
+          </p:cNvSpPr>
+          <p:nvPr>
+            <p:ph type="sldNum" sz="quarter" idx="10"/>
+          </p:nvPr>
+        </p:nvSpPr>
+        <p:spPr>
+          <a:xfrm>
+            <a:off x="8162242" y="6578600"/>
+            <a:ext cx="981759" cy="276999"/>
+          </a:xfrm>
+        </p:spPr>
+        <p:txBody>
+          <a:bodyPr/>
+          <a:lstStyle/>
+          <a:p>
+            <a:pPr>
+              <a:defRPr/>
+            </a:pPr>
+            <a:r>
+              <a:rPr lang="en-US" sz="1200" dirty="0" smtClean="0"/>
+              <a:t>welcome.</a:t>
+            </a:r>
+            <a:fld id="{DB6F0ED6-FEF5-4C9C-B1CC-29B47EC66FAA}" type="slidenum">
+              <a:rPr lang="en-US" sz="1200" smtClean="0"/>
+              <a:pPr>
+                <a:defRPr/>
+              </a:pPr>
+              <a:t>20</a:t>
+            </a:fld>
+            <a:endParaRPr lang="en-US" sz="1200" dirty="0"/>
+          </a:p>
+        </p:txBody>
+      </p:sp>
+    </p:spTree>
+    <p:extLst>
+      <p:ext uri="{BB962C8B-B14F-4D97-AF65-F5344CB8AC3E}">
+        <p14:creationId xmlns:p14="http://schemas.microsoft.com/office/powerpoint/2010/main" val="1251845048"/>
+      </p:ext>
+    </p:extLst>
+  </p:cSld>
+  <p:clrMapOvr>
+    <a:masterClrMapping/>
+  </p:clrMapOvr>
+  <p:transition xmlns:p14="http://schemas.microsoft.com/office/powerpoint/2010/main" spd="slow" advClick="0">
+    <p:fade/>
+  </p:transition>
+  <p:timing>
+    <p:tnLst>
+      <p:par>
+        <p:cTn xmlns:p14="http://schemas.microsoft.com/office/powerpoint/2010/main" id="1" dur="indefinite" restart="never" nodeType="tmRoot"/>
+      </p:par>
+    </p:tnLst>
+  </p:timing>
+</p:sld>
+</file>
+
+<file path=ppt/slides/slide21.xml><?xml version="1.0" encoding="utf-8"?>
+<p:sld xmlns:a="http://schemas.openxmlformats.org/drawingml/2006/main" xmlns:r="http://schemas.openxmlformats.org/officeDocument/2006/relationships" xmlns:p="http://schemas.openxmlformats.org/presentationml/2006/main">
+  <p:cSld>
+    <p:spTree>
+      <p:nvGrpSpPr>
+        <p:cNvPr id="1" name=""/>
+        <p:cNvGrpSpPr/>
+        <p:nvPr/>
+      </p:nvGrpSpPr>
+      <p:grpSpPr>
+        <a:xfrm>
+          <a:off x="0" y="0"/>
+          <a:ext cx="0" cy="0"/>
+          <a:chOff x="0" y="0"/>
+          <a:chExt cx="0" cy="0"/>
+        </a:xfrm>
+      </p:grpSpPr>
+      <p:sp>
+        <p:nvSpPr>
           <p:cNvPr id="2053" name="Slide Number Placeholder 3"/>
           <p:cNvSpPr>
             <a:spLocks noGrp="1"/>
@@ -10946,7 +11102,7 @@
             <a:fld id="{453FE1C2-9E91-4C24-BD74-47BCF0F2913B}" type="slidenum">
               <a:rPr lang="en-US" sz="1200" smtClean="0"/>
               <a:pPr/>
-              <a:t>20</a:t>
+              <a:t>21</a:t>
             </a:fld>
             <a:endParaRPr lang="en-US" sz="1200" dirty="0" smtClean="0"/>
           </a:p>
@@ -11010,7 +11166,7 @@
           <a:graphicData uri="http://schemas.openxmlformats.org/presentationml/2006/ole">
             <mc:AlternateContent xmlns:mc="http://schemas.openxmlformats.org/markup-compatibility/2006">
               <mc:Choice xmlns:v="urn:schemas-microsoft-com:vml" Requires="v">
-                <p:oleObj spid="_x0000_s219204" name="Equation" r:id="rId4" imgW="914400" imgH="215640" progId="Equation.3">
+                <p:oleObj spid="_x0000_s219217" name="Equation" r:id="rId4" imgW="914400" imgH="215640" progId="Equation.3">
                   <p:embed/>
                 </p:oleObj>
               </mc:Choice>
@@ -11080,7 +11236,7 @@
           <a:graphicData uri="http://schemas.openxmlformats.org/presentationml/2006/ole">
             <mc:AlternateContent xmlns:mc="http://schemas.openxmlformats.org/markup-compatibility/2006">
               <mc:Choice xmlns:v="urn:schemas-microsoft-com:vml" Requires="v">
-                <p:oleObj spid="_x0000_s219205" name="Equation" r:id="rId6" imgW="914400" imgH="215640" progId="Equation.3">
+                <p:oleObj spid="_x0000_s219218" name="Equation" r:id="rId6" imgW="914400" imgH="215640" progId="Equation.3">
                   <p:embed/>
                 </p:oleObj>
               </mc:Choice>
@@ -12258,6 +12414,37 @@
       </p:grpSpPr>
       <p:sp>
         <p:nvSpPr>
+          <p:cNvPr id="2" name="Title 1"/>
+          <p:cNvSpPr>
+            <a:spLocks noGrp="1"/>
+          </p:cNvSpPr>
+          <p:nvPr>
+            <p:ph type="title"/>
+          </p:nvPr>
+        </p:nvSpPr>
+        <p:spPr/>
+        <p:txBody>
+          <a:bodyPr/>
+          <a:lstStyle/>
+          <a:p>
+            <a:r>
+              <a:rPr lang="en-US" dirty="0" smtClean="0"/>
+              <a:t>Strong Math </a:t>
+            </a:r>
+            <a:r>
+              <a:rPr lang="en-US" dirty="0"/>
+              <a:t>E</a:t>
+            </a:r>
+            <a:r>
+              <a:rPr lang="en-US" dirty="0" smtClean="0"/>
+              <a:t>xperience</a:t>
+            </a:r>
+            <a:endParaRPr lang="en-US" dirty="0"/>
+          </a:p>
+        </p:txBody>
+      </p:sp>
+      <p:sp>
+        <p:nvSpPr>
           <p:cNvPr id="4" name="Slide Number Placeholder 3"/>
           <p:cNvSpPr>
             <a:spLocks noGrp="1"/>
@@ -12288,6 +12475,271 @@
                 <a:defRPr/>
               </a:pPr>
               <a:t>5</a:t>
+            </a:fld>
+            <a:endParaRPr lang="en-US" sz="1200" dirty="0"/>
+          </a:p>
+        </p:txBody>
+      </p:sp>
+      <p:sp>
+        <p:nvSpPr>
+          <p:cNvPr id="5" name="TextBox 4"/>
+          <p:cNvSpPr txBox="1"/>
+          <p:nvPr/>
+        </p:nvSpPr>
+        <p:spPr>
+          <a:xfrm>
+            <a:off x="172596" y="1295400"/>
+            <a:ext cx="8801984" cy="4832092"/>
+          </a:xfrm>
+          <a:prstGeom prst="rect">
+            <a:avLst/>
+          </a:prstGeom>
+          <a:noFill/>
+        </p:spPr>
+        <p:txBody>
+          <a:bodyPr wrap="none" rtlCol="0">
+            <a:spAutoFit/>
+          </a:bodyPr>
+          <a:lstStyle/>
+          <a:p>
+            <a:pPr algn="l"/>
+            <a:r>
+              <a:rPr lang="en-US" sz="4400" dirty="0" smtClean="0">
+                <a:latin typeface="Comic Sans MS"/>
+                <a:cs typeface="Comic Sans MS"/>
+              </a:rPr>
+              <a:t>If you have  </a:t>
+            </a:r>
+          </a:p>
+          <a:p>
+            <a:pPr marL="457200" indent="-457200" algn="l">
+              <a:buFont typeface="Arial"/>
+              <a:buChar char="•"/>
+            </a:pPr>
+            <a:r>
+              <a:rPr lang="en-US" sz="4400" dirty="0">
+                <a:latin typeface="Comic Sans MS"/>
+                <a:cs typeface="Comic Sans MS"/>
+              </a:rPr>
+              <a:t>been on </a:t>
+            </a:r>
+            <a:r>
+              <a:rPr lang="en-US" sz="4400" dirty="0" smtClean="0">
+                <a:latin typeface="Comic Sans MS"/>
+                <a:cs typeface="Comic Sans MS"/>
+              </a:rPr>
+              <a:t>a school Math Team</a:t>
+            </a:r>
+          </a:p>
+          <a:p>
+            <a:pPr marL="457200" indent="-457200" algn="l">
+              <a:buFont typeface="Arial"/>
+              <a:buChar char="•"/>
+            </a:pPr>
+            <a:r>
+              <a:rPr lang="en-US" sz="4400" dirty="0" smtClean="0">
+                <a:latin typeface="Comic Sans MS"/>
+                <a:cs typeface="Comic Sans MS"/>
+              </a:rPr>
+              <a:t>done Math competitions </a:t>
+            </a:r>
+          </a:p>
+          <a:p>
+            <a:pPr algn="l"/>
+            <a:r>
+              <a:rPr lang="en-US" sz="4400" dirty="0">
+                <a:latin typeface="Comic Sans MS"/>
+                <a:cs typeface="Comic Sans MS"/>
+              </a:rPr>
+              <a:t> </a:t>
+            </a:r>
+            <a:r>
+              <a:rPr lang="en-US" sz="4400" dirty="0" smtClean="0">
+                <a:latin typeface="Comic Sans MS"/>
+                <a:cs typeface="Comic Sans MS"/>
+              </a:rPr>
+              <a:t>    (like Olympiad, Putnam, MAA)</a:t>
+            </a:r>
+          </a:p>
+          <a:p>
+            <a:pPr marL="457200" indent="-457200" algn="l">
+              <a:buFont typeface="Arial"/>
+              <a:buChar char="•"/>
+            </a:pPr>
+            <a:r>
+              <a:rPr lang="en-US" sz="4400" dirty="0">
+                <a:latin typeface="Comic Sans MS"/>
+                <a:cs typeface="Comic Sans MS"/>
+              </a:rPr>
+              <a:t>6.006</a:t>
+            </a:r>
+            <a:r>
+              <a:rPr lang="en-US" sz="4400" dirty="0" smtClean="0">
+                <a:latin typeface="Comic Sans MS"/>
+                <a:cs typeface="Comic Sans MS"/>
+              </a:rPr>
+              <a:t>, 18.100,</a:t>
+            </a:r>
+            <a:r>
+              <a:rPr lang="en-US" sz="3600" dirty="0" smtClean="0">
+                <a:latin typeface="Comic Sans MS"/>
+                <a:cs typeface="Comic Sans MS"/>
+              </a:rPr>
+              <a:t> </a:t>
+            </a:r>
+            <a:r>
+              <a:rPr lang="en-US" sz="3600" b="1" dirty="0" smtClean="0">
+                <a:solidFill>
+                  <a:prstClr val="black"/>
+                </a:solidFill>
+                <a:latin typeface="AbadiMT-CondensedExtraBold"/>
+              </a:rPr>
+              <a:t>…</a:t>
+            </a:r>
+            <a:r>
+              <a:rPr lang="en-US" sz="4400" dirty="0" smtClean="0">
+                <a:latin typeface="Comic Sans MS"/>
+                <a:cs typeface="Comic Sans MS"/>
+              </a:rPr>
+              <a:t>:</a:t>
+            </a:r>
+            <a:endParaRPr lang="en-US" sz="4400" dirty="0">
+              <a:latin typeface="Comic Sans MS"/>
+              <a:cs typeface="Comic Sans MS"/>
+            </a:endParaRPr>
+          </a:p>
+          <a:p>
+            <a:pPr algn="l"/>
+            <a:r>
+              <a:rPr lang="en-US" sz="4400" dirty="0" smtClean="0">
+                <a:solidFill>
+                  <a:srgbClr val="CB21DD"/>
+                </a:solidFill>
+                <a:latin typeface="Comic Sans MS"/>
+                <a:cs typeface="Comic Sans MS"/>
+              </a:rPr>
+              <a:t>  6.042 </a:t>
+            </a:r>
+            <a:r>
+              <a:rPr lang="en-US" sz="4400" dirty="0">
+                <a:solidFill>
+                  <a:srgbClr val="CB21DD"/>
+                </a:solidFill>
+                <a:latin typeface="Comic Sans MS"/>
+                <a:cs typeface="Comic Sans MS"/>
+              </a:rPr>
+              <a:t>may not be the best use</a:t>
+            </a:r>
+          </a:p>
+          <a:p>
+            <a:pPr algn="l"/>
+            <a:r>
+              <a:rPr lang="en-US" sz="4400" dirty="0" smtClean="0">
+                <a:solidFill>
+                  <a:srgbClr val="CB21DD"/>
+                </a:solidFill>
+                <a:latin typeface="Comic Sans MS"/>
+                <a:cs typeface="Comic Sans MS"/>
+              </a:rPr>
+              <a:t>  of </a:t>
+            </a:r>
+            <a:r>
+              <a:rPr lang="en-US" sz="4400" dirty="0">
+                <a:solidFill>
+                  <a:srgbClr val="CB21DD"/>
+                </a:solidFill>
+                <a:latin typeface="Comic Sans MS"/>
+                <a:cs typeface="Comic Sans MS"/>
+              </a:rPr>
+              <a:t>your time.</a:t>
+            </a:r>
+            <a:endParaRPr lang="en-US" sz="4400" dirty="0">
+              <a:solidFill>
+                <a:srgbClr val="CB21DD"/>
+              </a:solidFill>
+              <a:latin typeface="Courier New"/>
+              <a:cs typeface="Courier New"/>
+            </a:endParaRPr>
+          </a:p>
+        </p:txBody>
+      </p:sp>
+    </p:spTree>
+    <p:extLst>
+      <p:ext uri="{BB962C8B-B14F-4D97-AF65-F5344CB8AC3E}">
+        <p14:creationId xmlns:p14="http://schemas.microsoft.com/office/powerpoint/2010/main" val="285481183"/>
+      </p:ext>
+    </p:extLst>
+  </p:cSld>
+  <p:clrMapOvr>
+    <a:masterClrMapping/>
+  </p:clrMapOvr>
+  <mc:AlternateContent xmlns:mc="http://schemas.openxmlformats.org/markup-compatibility/2006" xmlns:p14="http://schemas.microsoft.com/office/powerpoint/2010/main">
+    <mc:Choice Requires="p14">
+      <p:transition p14:dur="0" advClick="0"/>
+    </mc:Choice>
+    <mc:Fallback xmlns="">
+      <p:transition xmlns:p14="http://schemas.microsoft.com/office/powerpoint/2010/main" advClick="0"/>
+    </mc:Fallback>
+  </mc:AlternateContent>
+  <p:timing>
+    <p:tnLst>
+      <p:par>
+        <p:cTn xmlns:p14="http://schemas.microsoft.com/office/powerpoint/2010/main" id="1" dur="indefinite" restart="never" nodeType="tmRoot"/>
+      </p:par>
+    </p:tnLst>
+  </p:timing>
+</p:sld>
+</file>
+
+<file path=ppt/slides/slide6.xml><?xml version="1.0" encoding="utf-8"?>
+<p:sld xmlns:a="http://schemas.openxmlformats.org/drawingml/2006/main" xmlns:r="http://schemas.openxmlformats.org/officeDocument/2006/relationships" xmlns:p="http://schemas.openxmlformats.org/presentationml/2006/main" show="0">
+  <p:cSld>
+    <p:spTree>
+      <p:nvGrpSpPr>
+        <p:cNvPr id="1" name=""/>
+        <p:cNvGrpSpPr/>
+        <p:nvPr/>
+      </p:nvGrpSpPr>
+      <p:grpSpPr>
+        <a:xfrm>
+          <a:off x="0" y="0"/>
+          <a:ext cx="0" cy="0"/>
+          <a:chOff x="0" y="0"/>
+          <a:chExt cx="0" cy="0"/>
+        </a:xfrm>
+      </p:grpSpPr>
+      <p:sp>
+        <p:nvSpPr>
+          <p:cNvPr id="4" name="Slide Number Placeholder 3"/>
+          <p:cNvSpPr>
+            <a:spLocks noGrp="1"/>
+          </p:cNvSpPr>
+          <p:nvPr>
+            <p:ph type="sldNum" sz="quarter" idx="10"/>
+          </p:nvPr>
+        </p:nvSpPr>
+        <p:spPr/>
+        <p:txBody>
+          <a:bodyPr/>
+          <a:lstStyle/>
+          <a:p>
+            <a:pPr>
+              <a:defRPr/>
+            </a:pPr>
+            <a:r>
+              <a:rPr lang="en-US" smtClean="0"/>
+              <a:t>      </a:t>
+            </a:r>
+            <a:r>
+              <a:rPr lang="en-US" sz="1200" smtClean="0"/>
+              <a:t>welcome.</a:t>
+            </a:r>
+            <a:fld id="{2B986348-2DD7-4EF4-90D6-BCF5E4E7E5EE}" type="slidenum">
+              <a:rPr lang="en-US" sz="1200" smtClean="0"/>
+              <a:pPr>
+                <a:defRPr/>
+              </a:pPr>
+              <a:t>6</a:t>
             </a:fld>
             <a:endParaRPr lang="en-US" sz="1200" dirty="0"/>
           </a:p>
@@ -12412,230 +12864,6 @@
     <p:extLst>
       <p:ext uri="{BB962C8B-B14F-4D97-AF65-F5344CB8AC3E}">
         <p14:creationId xmlns:p14="http://schemas.microsoft.com/office/powerpoint/2010/main" val="1225614734"/>
-      </p:ext>
-    </p:extLst>
-  </p:cSld>
-  <p:clrMapOvr>
-    <a:masterClrMapping/>
-  </p:clrMapOvr>
-  <p:transition xmlns:p14="http://schemas.microsoft.com/office/powerpoint/2010/main" spd="slow" advClick="0">
-    <p:fade/>
-  </p:transition>
-  <p:timing>
-    <p:tnLst>
-      <p:par>
-        <p:cTn xmlns:p14="http://schemas.microsoft.com/office/powerpoint/2010/main" id="1" dur="indefinite" restart="never" nodeType="tmRoot"/>
-      </p:par>
-    </p:tnLst>
-  </p:timing>
-</p:sld>
-</file>
-
-<file path=ppt/slides/slide6.xml><?xml version="1.0" encoding="utf-8"?>
-<p:sld xmlns:a="http://schemas.openxmlformats.org/drawingml/2006/main" xmlns:r="http://schemas.openxmlformats.org/officeDocument/2006/relationships" xmlns:p="http://schemas.openxmlformats.org/presentationml/2006/main">
-  <p:cSld>
-    <p:spTree>
-      <p:nvGrpSpPr>
-        <p:cNvPr id="1" name=""/>
-        <p:cNvGrpSpPr/>
-        <p:nvPr/>
-      </p:nvGrpSpPr>
-      <p:grpSpPr>
-        <a:xfrm>
-          <a:off x="0" y="0"/>
-          <a:ext cx="0" cy="0"/>
-          <a:chOff x="0" y="0"/>
-          <a:chExt cx="0" cy="0"/>
-        </a:xfrm>
-      </p:grpSpPr>
-      <p:sp>
-        <p:nvSpPr>
-          <p:cNvPr id="4" name="Slide Number Placeholder 3"/>
-          <p:cNvSpPr>
-            <a:spLocks noGrp="1"/>
-          </p:cNvSpPr>
-          <p:nvPr>
-            <p:ph type="sldNum" sz="quarter" idx="10"/>
-          </p:nvPr>
-        </p:nvSpPr>
-        <p:spPr/>
-        <p:txBody>
-          <a:bodyPr/>
-          <a:lstStyle/>
-          <a:p>
-            <a:pPr>
-              <a:defRPr/>
-            </a:pPr>
-            <a:r>
-              <a:rPr lang="en-US" smtClean="0"/>
-              <a:t>      </a:t>
-            </a:r>
-            <a:r>
-              <a:rPr lang="en-US" sz="1200" smtClean="0"/>
-              <a:t>welcome.</a:t>
-            </a:r>
-            <a:fld id="{2B986348-2DD7-4EF4-90D6-BCF5E4E7E5EE}" type="slidenum">
-              <a:rPr lang="en-US" sz="1200" smtClean="0"/>
-              <a:pPr>
-                <a:defRPr/>
-              </a:pPr>
-              <a:t>6</a:t>
-            </a:fld>
-            <a:endParaRPr lang="en-US" sz="1200" dirty="0"/>
-          </a:p>
-        </p:txBody>
-      </p:sp>
-      <p:sp>
-        <p:nvSpPr>
-          <p:cNvPr id="5" name="TextBox 4"/>
-          <p:cNvSpPr txBox="1"/>
-          <p:nvPr/>
-        </p:nvSpPr>
-        <p:spPr>
-          <a:xfrm>
-            <a:off x="172596" y="1295400"/>
-            <a:ext cx="8969122" cy="4154983"/>
-          </a:xfrm>
-          <a:prstGeom prst="rect">
-            <a:avLst/>
-          </a:prstGeom>
-          <a:noFill/>
-        </p:spPr>
-        <p:txBody>
-          <a:bodyPr wrap="none" rtlCol="0">
-            <a:spAutoFit/>
-          </a:bodyPr>
-          <a:lstStyle/>
-          <a:p>
-            <a:pPr marL="457200" indent="-457200" algn="l">
-              <a:buFont typeface="Arial"/>
-              <a:buChar char="•"/>
-            </a:pPr>
-            <a:r>
-              <a:rPr lang="en-US" sz="4400" dirty="0" smtClean="0">
-                <a:latin typeface="Comic Sans MS"/>
-                <a:cs typeface="Comic Sans MS"/>
-              </a:rPr>
-              <a:t>Math Team, Math competitions, </a:t>
-            </a:r>
-          </a:p>
-          <a:p>
-            <a:pPr algn="l"/>
-            <a:r>
-              <a:rPr lang="en-US" sz="4400" dirty="0" smtClean="0">
-                <a:latin typeface="Comic Sans MS"/>
-                <a:cs typeface="Comic Sans MS"/>
-              </a:rPr>
-              <a:t>   6.006 or more advanced:</a:t>
-            </a:r>
-          </a:p>
-          <a:p>
-            <a:pPr algn="l"/>
-            <a:r>
-              <a:rPr lang="en-US" sz="4400" dirty="0" smtClean="0">
-                <a:latin typeface="Comic Sans MS"/>
-                <a:cs typeface="Comic Sans MS"/>
-              </a:rPr>
-              <a:t>6.042 may not be the best use</a:t>
-            </a:r>
-          </a:p>
-          <a:p>
-            <a:pPr algn="l"/>
-            <a:r>
-              <a:rPr lang="en-US" sz="4400" dirty="0" smtClean="0">
-                <a:latin typeface="Comic Sans MS"/>
-                <a:cs typeface="Comic Sans MS"/>
-              </a:rPr>
-              <a:t>of your time.  </a:t>
-            </a:r>
-            <a:r>
-              <a:rPr lang="en-US" sz="4400" dirty="0" smtClean="0">
-                <a:solidFill>
-                  <a:srgbClr val="CB21DD"/>
-                </a:solidFill>
-                <a:latin typeface="Comic Sans MS"/>
-                <a:cs typeface="Comic Sans MS"/>
-              </a:rPr>
-              <a:t>Discuss </a:t>
-            </a:r>
-          </a:p>
-          <a:p>
-            <a:pPr algn="l"/>
-            <a:r>
-              <a:rPr lang="en-US" sz="4400" dirty="0" smtClean="0">
-                <a:solidFill>
-                  <a:srgbClr val="CB21DD"/>
-                </a:solidFill>
-                <a:latin typeface="Comic Sans MS"/>
-                <a:cs typeface="Comic Sans MS"/>
-              </a:rPr>
-              <a:t>alternatives with the Instructor</a:t>
-            </a:r>
-          </a:p>
-          <a:p>
-            <a:r>
-              <a:rPr lang="en-US" sz="4400" dirty="0">
-                <a:latin typeface="Courier New"/>
-                <a:cs typeface="Courier New"/>
-                <a:hlinkClick r:id="rId2"/>
-              </a:rPr>
-              <a:t>6042-instructor@</a:t>
-            </a:r>
-            <a:r>
-              <a:rPr lang="en-US" sz="4400" dirty="0" smtClean="0">
-                <a:latin typeface="Courier New"/>
-                <a:cs typeface="Courier New"/>
-                <a:hlinkClick r:id="rId2"/>
-              </a:rPr>
-              <a:t>mit.edu</a:t>
-            </a:r>
-            <a:endParaRPr lang="en-US" sz="4400" dirty="0">
-              <a:latin typeface="Courier New"/>
-              <a:cs typeface="Courier New"/>
-            </a:endParaRPr>
-          </a:p>
-        </p:txBody>
-      </p:sp>
-      <p:sp>
-        <p:nvSpPr>
-          <p:cNvPr id="6" name="Title 1"/>
-          <p:cNvSpPr>
-            <a:spLocks noGrp="1"/>
-          </p:cNvSpPr>
-          <p:nvPr>
-            <p:ph type="title"/>
-          </p:nvPr>
-        </p:nvSpPr>
-        <p:spPr>
-          <a:xfrm>
-            <a:off x="1447800" y="304800"/>
-            <a:ext cx="7543800" cy="1143000"/>
-          </a:xfrm>
-        </p:spPr>
-        <p:txBody>
-          <a:bodyPr/>
-          <a:lstStyle/>
-          <a:p>
-            <a:r>
-              <a:rPr lang="en-US" dirty="0" smtClean="0"/>
-              <a:t>Strong Math </a:t>
-            </a:r>
-            <a:r>
-              <a:rPr lang="en-US" dirty="0"/>
-              <a:t>E</a:t>
-            </a:r>
-            <a:r>
-              <a:rPr lang="en-US" dirty="0" smtClean="0"/>
-              <a:t>xperience</a:t>
-            </a:r>
-            <a:endParaRPr lang="en-US" dirty="0"/>
-          </a:p>
-        </p:txBody>
-      </p:sp>
-    </p:spTree>
-    <p:extLst>
-      <p:ext uri="{BB962C8B-B14F-4D97-AF65-F5344CB8AC3E}">
-        <p14:creationId xmlns:p14="http://schemas.microsoft.com/office/powerpoint/2010/main" val="1272272938"/>
       </p:ext>
     </p:extLst>
   </p:cSld>
@@ -12674,6 +12902,208 @@
       </p:grpSpPr>
       <p:sp>
         <p:nvSpPr>
+          <p:cNvPr id="4" name="Slide Number Placeholder 3"/>
+          <p:cNvSpPr>
+            <a:spLocks noGrp="1"/>
+          </p:cNvSpPr>
+          <p:nvPr>
+            <p:ph type="sldNum" sz="quarter" idx="10"/>
+          </p:nvPr>
+        </p:nvSpPr>
+        <p:spPr/>
+        <p:txBody>
+          <a:bodyPr/>
+          <a:lstStyle/>
+          <a:p>
+            <a:pPr>
+              <a:defRPr/>
+            </a:pPr>
+            <a:r>
+              <a:rPr lang="en-US" smtClean="0"/>
+              <a:t>      </a:t>
+            </a:r>
+            <a:r>
+              <a:rPr lang="en-US" sz="1200" smtClean="0"/>
+              <a:t>welcome.</a:t>
+            </a:r>
+            <a:fld id="{2B986348-2DD7-4EF4-90D6-BCF5E4E7E5EE}" type="slidenum">
+              <a:rPr lang="en-US" sz="1200" smtClean="0"/>
+              <a:pPr>
+                <a:defRPr/>
+              </a:pPr>
+              <a:t>7</a:t>
+            </a:fld>
+            <a:endParaRPr lang="en-US" sz="1200" dirty="0"/>
+          </a:p>
+        </p:txBody>
+      </p:sp>
+      <p:sp>
+        <p:nvSpPr>
+          <p:cNvPr id="5" name="TextBox 4"/>
+          <p:cNvSpPr txBox="1"/>
+          <p:nvPr/>
+        </p:nvSpPr>
+        <p:spPr>
+          <a:xfrm>
+            <a:off x="257048" y="2260600"/>
+            <a:ext cx="8680681" cy="2308324"/>
+          </a:xfrm>
+          <a:prstGeom prst="rect">
+            <a:avLst/>
+          </a:prstGeom>
+          <a:noFill/>
+        </p:spPr>
+        <p:txBody>
+          <a:bodyPr wrap="none" rtlCol="0">
+            <a:spAutoFit/>
+          </a:bodyPr>
+          <a:lstStyle/>
+          <a:p>
+            <a:pPr algn="l"/>
+            <a:r>
+              <a:rPr lang="en-US" sz="4400" dirty="0" smtClean="0">
+                <a:latin typeface="Comic Sans MS"/>
+                <a:cs typeface="Comic Sans MS"/>
+              </a:rPr>
+              <a:t> </a:t>
+            </a:r>
+            <a:r>
+              <a:rPr lang="en-US" sz="4800" dirty="0" smtClean="0">
+                <a:latin typeface="Comic Sans MS"/>
+                <a:cs typeface="Comic Sans MS"/>
+              </a:rPr>
+              <a:t>Discuss </a:t>
+            </a:r>
+            <a:r>
+              <a:rPr lang="en-US" sz="4800" dirty="0" smtClean="0">
+                <a:solidFill>
+                  <a:srgbClr val="CB21DD"/>
+                </a:solidFill>
+                <a:latin typeface="Comic Sans MS"/>
+                <a:cs typeface="Comic Sans MS"/>
+              </a:rPr>
+              <a:t>6.042 alternatives</a:t>
+            </a:r>
+          </a:p>
+          <a:p>
+            <a:pPr algn="l"/>
+            <a:r>
+              <a:rPr lang="en-US" sz="4800" dirty="0">
+                <a:latin typeface="Comic Sans MS"/>
+                <a:cs typeface="Comic Sans MS"/>
+              </a:rPr>
+              <a:t> </a:t>
+            </a:r>
+            <a:r>
+              <a:rPr lang="en-US" sz="4800" dirty="0" smtClean="0">
+                <a:latin typeface="Comic Sans MS"/>
+                <a:cs typeface="Comic Sans MS"/>
+              </a:rPr>
+              <a:t>with the Instructor</a:t>
+            </a:r>
+          </a:p>
+          <a:p>
+            <a:r>
+              <a:rPr lang="en-US" sz="4800" dirty="0">
+                <a:latin typeface="Courier New"/>
+                <a:cs typeface="Courier New"/>
+                <a:hlinkClick r:id="rId2"/>
+              </a:rPr>
+              <a:t>6042-instructor@</a:t>
+            </a:r>
+            <a:r>
+              <a:rPr lang="en-US" sz="4800" dirty="0" smtClean="0">
+                <a:latin typeface="Courier New"/>
+                <a:cs typeface="Courier New"/>
+                <a:hlinkClick r:id="rId2"/>
+              </a:rPr>
+              <a:t>mit.edu</a:t>
+            </a:r>
+            <a:endParaRPr lang="en-US" sz="4800" dirty="0">
+              <a:latin typeface="Courier New"/>
+              <a:cs typeface="Courier New"/>
+            </a:endParaRPr>
+          </a:p>
+        </p:txBody>
+      </p:sp>
+      <p:sp>
+        <p:nvSpPr>
+          <p:cNvPr id="6" name="Title 1"/>
+          <p:cNvSpPr>
+            <a:spLocks noGrp="1"/>
+          </p:cNvSpPr>
+          <p:nvPr>
+            <p:ph type="title"/>
+          </p:nvPr>
+        </p:nvSpPr>
+        <p:spPr>
+          <a:xfrm>
+            <a:off x="1447800" y="304800"/>
+            <a:ext cx="7543800" cy="1143000"/>
+          </a:xfrm>
+        </p:spPr>
+        <p:txBody>
+          <a:bodyPr/>
+          <a:lstStyle/>
+          <a:p>
+            <a:r>
+              <a:rPr lang="en-US" dirty="0" smtClean="0"/>
+              <a:t>Strong Math </a:t>
+            </a:r>
+            <a:r>
+              <a:rPr lang="en-US" dirty="0"/>
+              <a:t>E</a:t>
+            </a:r>
+            <a:r>
+              <a:rPr lang="en-US" dirty="0" smtClean="0"/>
+              <a:t>xperience</a:t>
+            </a:r>
+            <a:endParaRPr lang="en-US" dirty="0"/>
+          </a:p>
+        </p:txBody>
+      </p:sp>
+    </p:spTree>
+    <p:extLst>
+      <p:ext uri="{BB962C8B-B14F-4D97-AF65-F5344CB8AC3E}">
+        <p14:creationId xmlns:p14="http://schemas.microsoft.com/office/powerpoint/2010/main" val="1272272938"/>
+      </p:ext>
+    </p:extLst>
+  </p:cSld>
+  <p:clrMapOvr>
+    <a:masterClrMapping/>
+  </p:clrMapOvr>
+  <p:transition xmlns:p14="http://schemas.microsoft.com/office/powerpoint/2010/main" spd="slow" advClick="0">
+    <p:fade/>
+  </p:transition>
+  <p:timing>
+    <p:tnLst>
+      <p:par>
+        <p:cTn xmlns:p14="http://schemas.microsoft.com/office/powerpoint/2010/main" id="1" dur="indefinite" restart="never" nodeType="tmRoot"/>
+      </p:par>
+    </p:tnLst>
+  </p:timing>
+</p:sld>
+</file>
+
+<file path=ppt/slides/slide8.xml><?xml version="1.0" encoding="utf-8"?>
+<p:sld xmlns:a="http://schemas.openxmlformats.org/drawingml/2006/main" xmlns:r="http://schemas.openxmlformats.org/officeDocument/2006/relationships" xmlns:p="http://schemas.openxmlformats.org/presentationml/2006/main">
+  <p:cSld>
+    <p:spTree>
+      <p:nvGrpSpPr>
+        <p:cNvPr id="1" name=""/>
+        <p:cNvGrpSpPr/>
+        <p:nvPr/>
+      </p:nvGrpSpPr>
+      <p:grpSpPr>
+        <a:xfrm>
+          <a:off x="0" y="0"/>
+          <a:ext cx="0" cy="0"/>
+          <a:chOff x="0" y="0"/>
+          <a:chExt cx="0" cy="0"/>
+        </a:xfrm>
+      </p:grpSpPr>
+      <p:sp>
+        <p:nvSpPr>
           <p:cNvPr id="23554" name="Slide Number Placeholder 3"/>
           <p:cNvSpPr>
             <a:spLocks noGrp="1"/>
@@ -12704,7 +13134,7 @@
             <a:fld id="{CBD4ADD5-DF96-4ED8-A1CB-551C52AF6B69}" type="slidenum">
               <a:rPr lang="en-US" sz="1200" smtClean="0"/>
               <a:pPr/>
-              <a:t>7</a:t>
+              <a:t>8</a:t>
             </a:fld>
             <a:endParaRPr lang="en-US" sz="1200" dirty="0" smtClean="0"/>
           </a:p>
@@ -12826,9 +13256,18 @@
   <p:clrMapOvr>
     <a:masterClrMapping/>
   </p:clrMapOvr>
-  <p:transition xmlns:p14="http://schemas.microsoft.com/office/powerpoint/2010/main" advClick="0">
-    <p:cut thruBlk="1"/>
-  </p:transition>
+  <mc:AlternateContent xmlns:mc="http://schemas.openxmlformats.org/markup-compatibility/2006" xmlns:p14="http://schemas.microsoft.com/office/powerpoint/2010/main">
+    <mc:Choice Requires="p14">
+      <p:transition spd="slow" p14:dur="900" advClick="0">
+        <p:fade thruBlk="1"/>
+      </p:transition>
+    </mc:Choice>
+    <mc:Fallback xmlns="">
+      <p:transition xmlns:p14="http://schemas.microsoft.com/office/powerpoint/2010/main" spd="slow" advClick="0">
+        <p:fade thruBlk="1"/>
+      </p:transition>
+    </mc:Fallback>
+  </mc:AlternateContent>
   <p:timing>
     <p:tnLst>
       <p:par>
@@ -12923,7 +13362,7 @@
 </p:sld>
 </file>
 
-<file path=ppt/slides/slide8.xml><?xml version="1.0" encoding="utf-8"?>
+<file path=ppt/slides/slide9.xml><?xml version="1.0" encoding="utf-8"?>
 <p:sld xmlns:a="http://schemas.openxmlformats.org/drawingml/2006/main" xmlns:r="http://schemas.openxmlformats.org/officeDocument/2006/relationships" xmlns:p="http://schemas.openxmlformats.org/presentationml/2006/main">
   <p:cSld>
     <p:spTree>
@@ -12972,7 +13411,7 @@
             <a:fld id="{75023C36-FE4D-4530-8B57-5C3563E819D6}" type="slidenum">
               <a:rPr lang="en-US" sz="1200" smtClean="0"/>
               <a:pPr/>
-              <a:t>8</a:t>
+              <a:t>9</a:t>
             </a:fld>
             <a:endParaRPr lang="en-US" sz="1200" dirty="0" smtClean="0"/>
           </a:p>
@@ -12994,7 +13433,7 @@
           <a:graphicData uri="http://schemas.openxmlformats.org/presentationml/2006/ole">
             <mc:AlternateContent xmlns:mc="http://schemas.openxmlformats.org/markup-compatibility/2006">
               <mc:Choice xmlns:v="urn:schemas-microsoft-com:vml" Requires="v">
-                <p:oleObj spid="_x0000_s140526" name="Equation" r:id="rId4" imgW="914400" imgH="215640" progId="Equation.3">
+                <p:oleObj spid="_x0000_s140539" name="Equation" r:id="rId4" imgW="914400" imgH="215640" progId="Equation.3">
                   <p:embed/>
                 </p:oleObj>
               </mc:Choice>
@@ -13064,7 +13503,7 @@
           <a:graphicData uri="http://schemas.openxmlformats.org/presentationml/2006/ole">
             <mc:AlternateContent xmlns:mc="http://schemas.openxmlformats.org/markup-compatibility/2006">
               <mc:Choice xmlns:v="urn:schemas-microsoft-com:vml" Requires="v">
-                <p:oleObj spid="_x0000_s140527" name="Equation" r:id="rId6" imgW="914400" imgH="215640" progId="Equation.3">
+                <p:oleObj spid="_x0000_s140540" name="Equation" r:id="rId6" imgW="914400" imgH="215640" progId="Equation.3">
                   <p:embed/>
                 </p:oleObj>
               </mc:Choice>
@@ -13692,230 +14131,6 @@
     <p:bldLst>
       <p:bldP spid="5128" grpId="0" build="p"/>
     </p:bldLst>
-  </p:timing>
-</p:sld>
-</file>
-
-<file path=ppt/slides/slide9.xml><?xml version="1.0" encoding="utf-8"?>
-<p:sld xmlns:a="http://schemas.openxmlformats.org/drawingml/2006/main" xmlns:r="http://schemas.openxmlformats.org/officeDocument/2006/relationships" xmlns:p="http://schemas.openxmlformats.org/presentationml/2006/main">
-  <p:cSld>
-    <p:spTree>
-      <p:nvGrpSpPr>
-        <p:cNvPr id="1" name=""/>
-        <p:cNvGrpSpPr/>
-        <p:nvPr/>
-      </p:nvGrpSpPr>
-      <p:grpSpPr>
-        <a:xfrm>
-          <a:off x="0" y="0"/>
-          <a:ext cx="0" cy="0"/>
-          <a:chOff x="0" y="0"/>
-          <a:chExt cx="0" cy="0"/>
-        </a:xfrm>
-      </p:grpSpPr>
-      <p:sp>
-        <p:nvSpPr>
-          <p:cNvPr id="3080" name="Text Box 7"/>
-          <p:cNvSpPr txBox="1">
-            <a:spLocks noChangeArrowheads="1"/>
-          </p:cNvSpPr>
-          <p:nvPr/>
-        </p:nvSpPr>
-        <p:spPr bwMode="auto">
-          <a:xfrm>
-            <a:off x="139172" y="2128828"/>
-            <a:ext cx="8868832" cy="2585323"/>
-          </a:xfrm>
-          <a:prstGeom prst="rect">
-            <a:avLst/>
-          </a:prstGeom>
-          <a:noFill/>
-          <a:ln w="9525">
-            <a:noFill/>
-            <a:miter lim="800000"/>
-            <a:headEnd/>
-            <a:tailEnd type="none" w="lg" len="lg"/>
-          </a:ln>
-        </p:spPr>
-        <p:txBody>
-          <a:bodyPr wrap="square">
-            <a:spAutoFit/>
-          </a:bodyPr>
-          <a:lstStyle/>
-          <a:p>
-            <a:pPr algn="l">
-              <a:defRPr/>
-            </a:pPr>
-            <a:r>
-              <a:rPr lang="en-US" sz="5400" dirty="0" smtClean="0">
-                <a:latin typeface="Comic Sans MS" pitchFamily="66" charset="0"/>
-              </a:rPr>
-              <a:t>Readings &amp; online problems </a:t>
-            </a:r>
-          </a:p>
-          <a:p>
-            <a:pPr algn="l">
-              <a:defRPr/>
-            </a:pPr>
-            <a:r>
-              <a:rPr lang="en-US" sz="5400" dirty="0" smtClean="0">
-                <a:latin typeface="Comic Sans MS" pitchFamily="66" charset="0"/>
-              </a:rPr>
-              <a:t>in class </a:t>
-            </a:r>
-            <a:r>
-              <a:rPr lang="en-US" sz="5400" dirty="0" smtClean="0">
-                <a:solidFill>
-                  <a:srgbClr val="0000FF"/>
-                </a:solidFill>
-                <a:latin typeface="Comic Sans MS" pitchFamily="66" charset="0"/>
-              </a:rPr>
-              <a:t>calendar on</a:t>
-            </a:r>
-            <a:r>
-              <a:rPr lang="en-US" sz="5400" dirty="0" smtClean="0">
-                <a:latin typeface="Comic Sans MS" pitchFamily="66" charset="0"/>
-              </a:rPr>
-              <a:t> </a:t>
-            </a:r>
-            <a:r>
-              <a:rPr lang="en-US" sz="5400" dirty="0" smtClean="0">
-                <a:solidFill>
-                  <a:srgbClr val="0000FF"/>
-                </a:solidFill>
-                <a:latin typeface="Comic Sans MS" pitchFamily="66" charset="0"/>
-              </a:rPr>
-              <a:t>Stellar</a:t>
-            </a:r>
-          </a:p>
-          <a:p>
-            <a:pPr>
-              <a:defRPr/>
-            </a:pPr>
-            <a:r>
-              <a:rPr lang="en-US" sz="5400" dirty="0">
-                <a:latin typeface="Comic Sans MS" pitchFamily="66" charset="0"/>
-              </a:rPr>
-              <a:t>due </a:t>
-            </a:r>
-            <a:r>
-              <a:rPr lang="en-US" sz="5400" dirty="0">
-                <a:solidFill>
-                  <a:srgbClr val="077F15"/>
-                </a:solidFill>
-                <a:latin typeface="Comic Sans MS" pitchFamily="66" charset="0"/>
-              </a:rPr>
-              <a:t>starting </a:t>
-            </a:r>
-            <a:r>
-              <a:rPr lang="en-US" sz="5400" dirty="0" smtClean="0">
-                <a:solidFill>
-                  <a:srgbClr val="077F15"/>
-                </a:solidFill>
-                <a:latin typeface="Comic Sans MS" pitchFamily="66" charset="0"/>
-              </a:rPr>
-              <a:t>Friday</a:t>
-            </a:r>
-            <a:endParaRPr lang="en-US" sz="5400" dirty="0">
-              <a:solidFill>
-                <a:srgbClr val="0000FF"/>
-              </a:solidFill>
-              <a:latin typeface="Comic Sans MS" pitchFamily="66" charset="0"/>
-            </a:endParaRPr>
-          </a:p>
-        </p:txBody>
-      </p:sp>
-      <p:sp>
-        <p:nvSpPr>
-          <p:cNvPr id="3077" name="Slide Number Placeholder 3"/>
-          <p:cNvSpPr>
-            <a:spLocks noGrp="1"/>
-          </p:cNvSpPr>
-          <p:nvPr>
-            <p:ph type="sldNum" sz="quarter" idx="10"/>
-          </p:nvPr>
-        </p:nvSpPr>
-        <p:spPr>
-          <a:xfrm>
-            <a:off x="7909619" y="6553200"/>
-            <a:ext cx="1234382" cy="307777"/>
-          </a:xfrm>
-          <a:noFill/>
-        </p:spPr>
-        <p:txBody>
-          <a:bodyPr/>
-          <a:lstStyle/>
-          <a:p>
-            <a:r>
-              <a:rPr lang="en-US" dirty="0" smtClean="0"/>
-              <a:t>      </a:t>
-            </a:r>
-            <a:r>
-              <a:rPr lang="en-US" sz="1200" dirty="0" smtClean="0"/>
-              <a:t>welcome.</a:t>
-            </a:r>
-            <a:fld id="{4D204BE9-2F10-477E-9517-5A472BD6B7C3}" type="slidenum">
-              <a:rPr lang="en-US" sz="1200" smtClean="0"/>
-              <a:pPr/>
-              <a:t>9</a:t>
-            </a:fld>
-            <a:endParaRPr lang="en-US" sz="1200" dirty="0" smtClean="0"/>
-          </a:p>
-        </p:txBody>
-      </p:sp>
-      <p:sp>
-        <p:nvSpPr>
-          <p:cNvPr id="3078" name="Rectangle 2"/>
-          <p:cNvSpPr>
-            <a:spLocks noGrp="1" noChangeArrowheads="1"/>
-          </p:cNvSpPr>
-          <p:nvPr>
-            <p:ph type="ctrTitle"/>
-          </p:nvPr>
-        </p:nvSpPr>
-        <p:spPr>
-          <a:xfrm>
-            <a:off x="1516063" y="319088"/>
-            <a:ext cx="6484937" cy="1123950"/>
-          </a:xfrm>
-        </p:spPr>
-        <p:txBody>
-          <a:bodyPr/>
-          <a:lstStyle/>
-          <a:p>
-            <a:pPr algn="ctr" eaLnBrk="1" hangingPunct="1">
-              <a:defRPr/>
-            </a:pPr>
-            <a:r>
-              <a:rPr lang="en-US" dirty="0" smtClean="0">
-                <a:solidFill>
-                  <a:schemeClr val="tx1"/>
-                </a:solidFill>
-              </a:rPr>
-              <a:t>Reading Assignment</a:t>
-            </a:r>
-          </a:p>
-        </p:txBody>
-      </p:sp>
-    </p:spTree>
-    <p:extLst>
-      <p:ext uri="{BB962C8B-B14F-4D97-AF65-F5344CB8AC3E}">
-        <p14:creationId xmlns:p14="http://schemas.microsoft.com/office/powerpoint/2010/main" val="277740754"/>
-      </p:ext>
-    </p:extLst>
-  </p:cSld>
-  <p:clrMapOvr>
-    <a:masterClrMapping/>
-  </p:clrMapOvr>
-  <p:transition xmlns:p14="http://schemas.microsoft.com/office/powerpoint/2010/main" spd="slow" advClick="0">
-    <p:fade/>
-  </p:transition>
-  <p:timing>
-    <p:tnLst>
-      <p:par>
-        <p:cTn xmlns:p14="http://schemas.microsoft.com/office/powerpoint/2010/main" id="1" dur="indefinite" restart="never" nodeType="tmRoot"/>
-      </p:par>
-    </p:tnLst>
   </p:timing>
 </p:sld>
 </file>

--- a/spring16/slidesS16/6042S16welcome.pptx
+++ b/spring16/slidesS16/6042S16welcome.pptx
@@ -5156,7 +5156,7 @@
           <a:graphicData uri="http://schemas.openxmlformats.org/presentationml/2006/ole">
             <mc:AlternateContent xmlns:mc="http://schemas.openxmlformats.org/markup-compatibility/2006">
               <mc:Choice xmlns:v="urn:schemas-microsoft-com:vml" Requires="v">
-                <p:oleObj spid="_x0000_s1270" name="Equation" r:id="rId4" imgW="914400" imgH="215640" progId="Equation.3">
+                <p:oleObj spid="_x0000_s1275" name="Equation" r:id="rId4" imgW="914400" imgH="215640" progId="Equation.3">
                   <p:embed/>
                 </p:oleObj>
               </mc:Choice>
@@ -5226,7 +5226,7 @@
           <a:graphicData uri="http://schemas.openxmlformats.org/presentationml/2006/ole">
             <mc:AlternateContent xmlns:mc="http://schemas.openxmlformats.org/markup-compatibility/2006">
               <mc:Choice xmlns:v="urn:schemas-microsoft-com:vml" Requires="v">
-                <p:oleObj spid="_x0000_s1271" name="Equation" r:id="rId6" imgW="914400" imgH="215640" progId="Equation.3">
+                <p:oleObj spid="_x0000_s1276" name="Equation" r:id="rId6" imgW="914400" imgH="215640" progId="Equation.3">
                   <p:embed/>
                 </p:oleObj>
               </mc:Choice>
@@ -5879,7 +5879,7 @@
           <a:graphicData uri="http://schemas.openxmlformats.org/presentationml/2006/ole">
             <mc:AlternateContent xmlns:mc="http://schemas.openxmlformats.org/markup-compatibility/2006">
               <mc:Choice xmlns:v="urn:schemas-microsoft-com:vml" Requires="v">
-                <p:oleObj spid="_x0000_s2312" name="Equation" r:id="rId4" imgW="914400" imgH="215640" progId="Equation.3">
+                <p:oleObj spid="_x0000_s2317" name="Equation" r:id="rId4" imgW="914400" imgH="215640" progId="Equation.3">
                   <p:embed/>
                 </p:oleObj>
               </mc:Choice>
@@ -5949,7 +5949,7 @@
           <a:graphicData uri="http://schemas.openxmlformats.org/presentationml/2006/ole">
             <mc:AlternateContent xmlns:mc="http://schemas.openxmlformats.org/markup-compatibility/2006">
               <mc:Choice xmlns:v="urn:schemas-microsoft-com:vml" Requires="v">
-                <p:oleObj spid="_x0000_s2313" name="Equation" r:id="rId6" imgW="914400" imgH="215640" progId="Equation.3">
+                <p:oleObj spid="_x0000_s2318" name="Equation" r:id="rId6" imgW="914400" imgH="215640" progId="Equation.3">
                   <p:embed/>
                 </p:oleObj>
               </mc:Choice>
@@ -7054,7 +7054,7 @@
           <a:graphicData uri="http://schemas.openxmlformats.org/presentationml/2006/ole">
             <mc:AlternateContent xmlns:mc="http://schemas.openxmlformats.org/markup-compatibility/2006">
               <mc:Choice xmlns:v="urn:schemas-microsoft-com:vml" Requires="v">
-                <p:oleObj spid="_x0000_s3270" name="Equation" r:id="rId4" imgW="914400" imgH="215640" progId="Equation.3">
+                <p:oleObj spid="_x0000_s3273" name="Equation" r:id="rId4" imgW="914400" imgH="215640" progId="Equation.3">
                   <p:embed/>
                 </p:oleObj>
               </mc:Choice>
@@ -10543,7 +10543,7 @@
           <a:graphicData uri="http://schemas.openxmlformats.org/presentationml/2006/ole">
             <mc:AlternateContent xmlns:mc="http://schemas.openxmlformats.org/markup-compatibility/2006">
               <mc:Choice xmlns:v="urn:schemas-microsoft-com:vml" Requires="v">
-                <p:oleObj spid="_x0000_s218201" name="Equation" r:id="rId4" imgW="914400" imgH="215640" progId="Equation.3">
+                <p:oleObj spid="_x0000_s218206" name="Equation" r:id="rId4" imgW="914400" imgH="215640" progId="Equation.3">
                   <p:embed/>
                 </p:oleObj>
               </mc:Choice>
@@ -10613,7 +10613,7 @@
           <a:graphicData uri="http://schemas.openxmlformats.org/presentationml/2006/ole">
             <mc:AlternateContent xmlns:mc="http://schemas.openxmlformats.org/markup-compatibility/2006">
               <mc:Choice xmlns:v="urn:schemas-microsoft-com:vml" Requires="v">
-                <p:oleObj spid="_x0000_s218202" name="Equation" r:id="rId6" imgW="914400" imgH="215640" progId="Equation.3">
+                <p:oleObj spid="_x0000_s218207" name="Equation" r:id="rId6" imgW="914400" imgH="215640" progId="Equation.3">
                   <p:embed/>
                 </p:oleObj>
               </mc:Choice>
@@ -11166,7 +11166,7 @@
           <a:graphicData uri="http://schemas.openxmlformats.org/presentationml/2006/ole">
             <mc:AlternateContent xmlns:mc="http://schemas.openxmlformats.org/markup-compatibility/2006">
               <mc:Choice xmlns:v="urn:schemas-microsoft-com:vml" Requires="v">
-                <p:oleObj spid="_x0000_s219217" name="Equation" r:id="rId4" imgW="914400" imgH="215640" progId="Equation.3">
+                <p:oleObj spid="_x0000_s219222" name="Equation" r:id="rId4" imgW="914400" imgH="215640" progId="Equation.3">
                   <p:embed/>
                 </p:oleObj>
               </mc:Choice>
@@ -11236,7 +11236,7 @@
           <a:graphicData uri="http://schemas.openxmlformats.org/presentationml/2006/ole">
             <mc:AlternateContent xmlns:mc="http://schemas.openxmlformats.org/markup-compatibility/2006">
               <mc:Choice xmlns:v="urn:schemas-microsoft-com:vml" Requires="v">
-                <p:oleObj spid="_x0000_s219218" name="Equation" r:id="rId6" imgW="914400" imgH="215640" progId="Equation.3">
+                <p:oleObj spid="_x0000_s219223" name="Equation" r:id="rId6" imgW="914400" imgH="215640" progId="Equation.3">
                   <p:embed/>
                 </p:oleObj>
               </mc:Choice>
@@ -12945,8 +12945,8 @@
         </p:nvSpPr>
         <p:spPr>
           <a:xfrm>
-            <a:off x="257048" y="2260600"/>
-            <a:ext cx="8680681" cy="2308324"/>
+            <a:off x="104648" y="2294503"/>
+            <a:ext cx="8924288" cy="2431435"/>
           </a:xfrm>
           <a:prstGeom prst="rect">
             <a:avLst/>
@@ -12968,14 +12968,14 @@
               <a:t> </a:t>
             </a:r>
             <a:r>
-              <a:rPr lang="en-US" sz="4800" dirty="0" smtClean="0">
+              <a:rPr lang="en-US" sz="5400" dirty="0" smtClean="0">
                 <a:latin typeface="Comic Sans MS"/>
                 <a:cs typeface="Comic Sans MS"/>
               </a:rPr>
               <a:t>Discuss </a:t>
             </a:r>
             <a:r>
-              <a:rPr lang="en-US" sz="4800" dirty="0" smtClean="0">
+              <a:rPr lang="en-US" sz="5400" dirty="0" smtClean="0">
                 <a:solidFill>
                   <a:srgbClr val="CB21DD"/>
                 </a:solidFill>
@@ -12988,14 +12988,14 @@
           <a:p>
             <a:pPr algn="l"/>
             <a:r>
-              <a:rPr lang="en-US" sz="4800" dirty="0">
+              <a:rPr lang="en-US" sz="5400" dirty="0">
                 <a:latin typeface="Comic Sans MS"/>
                 <a:cs typeface="Comic Sans MS"/>
               </a:rPr>
               <a:t> </a:t>
             </a:r>
             <a:r>
-              <a:rPr lang="en-US" sz="4800" dirty="0" smtClean="0">
+              <a:rPr lang="en-US" sz="5400" dirty="0" smtClean="0">
                 <a:latin typeface="Comic Sans MS"/>
                 <a:cs typeface="Comic Sans MS"/>
               </a:rPr>
@@ -13004,22 +13004,63 @@
           </a:p>
           <a:p>
             <a:r>
-              <a:rPr lang="en-US" sz="4800" dirty="0">
+              <a:rPr lang="en-US" sz="4400" dirty="0" smtClean="0">
+                <a:solidFill>
+                  <a:schemeClr val="accent1">
+                    <a:lumMod val="50000"/>
+                  </a:schemeClr>
+                </a:solidFill>
                 <a:latin typeface="Courier New"/>
                 <a:cs typeface="Courier New"/>
                 <a:hlinkClick r:id="rId2"/>
               </a:rPr>
-              <a:t>6042-instructor@</a:t>
-            </a:r>
-            <a:r>
-              <a:rPr lang="en-US" sz="4800" dirty="0" smtClean="0">
+              <a:t> 6042</a:t>
+            </a:r>
+            <a:r>
+              <a:rPr lang="en-US" sz="4400" dirty="0">
+                <a:solidFill>
+                  <a:schemeClr val="accent1">
+                    <a:lumMod val="50000"/>
+                  </a:schemeClr>
+                </a:solidFill>
                 <a:latin typeface="Courier New"/>
                 <a:cs typeface="Courier New"/>
                 <a:hlinkClick r:id="rId2"/>
               </a:rPr>
+              <a:t>-</a:t>
+            </a:r>
+            <a:r>
+              <a:rPr lang="en-US" sz="4400" dirty="0" smtClean="0">
+                <a:solidFill>
+                  <a:schemeClr val="accent1">
+                    <a:lumMod val="50000"/>
+                  </a:schemeClr>
+                </a:solidFill>
+                <a:latin typeface="Courier New"/>
+                <a:cs typeface="Courier New"/>
+                <a:hlinkClick r:id="rId2"/>
+              </a:rPr>
+              <a:t>instructors@</a:t>
+            </a:r>
+            <a:r>
+              <a:rPr lang="en-US" sz="4400" dirty="0" smtClean="0">
+                <a:solidFill>
+                  <a:schemeClr val="accent1">
+                    <a:lumMod val="50000"/>
+                  </a:schemeClr>
+                </a:solidFill>
+                <a:latin typeface="Courier New"/>
+                <a:cs typeface="Courier New"/>
+                <a:hlinkClick r:id="rId2"/>
+              </a:rPr>
               <a:t>mit.edu</a:t>
             </a:r>
-            <a:endParaRPr lang="en-US" sz="4800" dirty="0">
+            <a:endParaRPr lang="en-US" sz="4400" dirty="0">
+              <a:solidFill>
+                <a:schemeClr val="accent1">
+                  <a:lumMod val="50000"/>
+                </a:schemeClr>
+              </a:solidFill>
               <a:latin typeface="Courier New"/>
               <a:cs typeface="Courier New"/>
             </a:endParaRPr>
@@ -13433,7 +13474,7 @@
           <a:graphicData uri="http://schemas.openxmlformats.org/presentationml/2006/ole">
             <mc:AlternateContent xmlns:mc="http://schemas.openxmlformats.org/markup-compatibility/2006">
               <mc:Choice xmlns:v="urn:schemas-microsoft-com:vml" Requires="v">
-                <p:oleObj spid="_x0000_s140539" name="Equation" r:id="rId4" imgW="914400" imgH="215640" progId="Equation.3">
+                <p:oleObj spid="_x0000_s140544" name="Equation" r:id="rId4" imgW="914400" imgH="215640" progId="Equation.3">
                   <p:embed/>
                 </p:oleObj>
               </mc:Choice>
@@ -13503,7 +13544,7 @@
           <a:graphicData uri="http://schemas.openxmlformats.org/presentationml/2006/ole">
             <mc:AlternateContent xmlns:mc="http://schemas.openxmlformats.org/markup-compatibility/2006">
               <mc:Choice xmlns:v="urn:schemas-microsoft-com:vml" Requires="v">
-                <p:oleObj spid="_x0000_s140540" name="Equation" r:id="rId6" imgW="914400" imgH="215640" progId="Equation.3">
+                <p:oleObj spid="_x0000_s140545" name="Equation" r:id="rId6" imgW="914400" imgH="215640" progId="Equation.3">
                   <p:embed/>
                 </p:oleObj>
               </mc:Choice>
